--- a/Baove.pptx
+++ b/Baove.pptx
@@ -223,7 +223,7 @@
           <a:p>
             <a:fld id="{4910E4C2-DA8C-47A4-B6AA-853960EC141E}" type="datetimeFigureOut">
               <a:rPr lang="en-US" smtClean="0"/>
-              <a:t>7/21/2024</a:t>
+              <a:t>22-Jul-24</a:t>
             </a:fld>
             <a:endParaRPr lang="en-US"/>
           </a:p>
@@ -1260,7 +1260,7 @@
                 <a:ea typeface="+mn-ea"/>
                 <a:cs typeface="+mn-cs"/>
               </a:rPr>
-              <a:t>cái</a:t>
+              <a:t>cáo</a:t>
             </a:r>
             <a:r>
               <a:rPr lang="en-US" sz="1200" kern="1200" dirty="0">
@@ -5273,7 +5273,7 @@
               <a:defRPr/>
             </a:pPr>
             <a:r>
-              <a:rPr lang="vi-VN"/>
+              <a:rPr lang="vi-VN" dirty="0"/>
               <a:t>Cả ba đều là các thuật toán học máy phổ biến được sử dụng cho các bài toán phân loại, giúp dự đoán nhãn của các mẫu dữ liệu mới.</a:t>
             </a:r>
             <a:endParaRPr kumimoji="0" lang="en-US" altLang="en-US" sz="1200" b="0" i="0" u="none" strike="noStrike" kern="1200" cap="none" normalizeH="0" baseline="0" dirty="0">
@@ -12127,7 +12127,7 @@
           <a:p>
             <a:fld id="{631AF7E7-9E02-4B9D-BC83-4C252CC9D70A}" type="datetimeFigureOut">
               <a:rPr lang="en-US" smtClean="0"/>
-              <a:t>7/21/2024</a:t>
+              <a:t>22-Jul-24</a:t>
             </a:fld>
             <a:endParaRPr lang="en-US"/>
           </a:p>
@@ -12295,7 +12295,7 @@
           <a:p>
             <a:fld id="{631AF7E7-9E02-4B9D-BC83-4C252CC9D70A}" type="datetimeFigureOut">
               <a:rPr lang="en-US" smtClean="0"/>
-              <a:t>7/21/2024</a:t>
+              <a:t>22-Jul-24</a:t>
             </a:fld>
             <a:endParaRPr lang="en-US"/>
           </a:p>
@@ -12473,7 +12473,7 @@
           <a:p>
             <a:fld id="{631AF7E7-9E02-4B9D-BC83-4C252CC9D70A}" type="datetimeFigureOut">
               <a:rPr lang="en-US" smtClean="0"/>
-              <a:t>7/21/2024</a:t>
+              <a:t>22-Jul-24</a:t>
             </a:fld>
             <a:endParaRPr lang="en-US"/>
           </a:p>
@@ -12641,7 +12641,7 @@
           <a:p>
             <a:fld id="{631AF7E7-9E02-4B9D-BC83-4C252CC9D70A}" type="datetimeFigureOut">
               <a:rPr lang="en-US" smtClean="0"/>
-              <a:t>7/21/2024</a:t>
+              <a:t>22-Jul-24</a:t>
             </a:fld>
             <a:endParaRPr lang="en-US"/>
           </a:p>
@@ -12886,7 +12886,7 @@
           <a:p>
             <a:fld id="{631AF7E7-9E02-4B9D-BC83-4C252CC9D70A}" type="datetimeFigureOut">
               <a:rPr lang="en-US" smtClean="0"/>
-              <a:t>7/21/2024</a:t>
+              <a:t>22-Jul-24</a:t>
             </a:fld>
             <a:endParaRPr lang="en-US"/>
           </a:p>
@@ -13115,7 +13115,7 @@
           <a:p>
             <a:fld id="{631AF7E7-9E02-4B9D-BC83-4C252CC9D70A}" type="datetimeFigureOut">
               <a:rPr lang="en-US" smtClean="0"/>
-              <a:t>7/21/2024</a:t>
+              <a:t>22-Jul-24</a:t>
             </a:fld>
             <a:endParaRPr lang="en-US"/>
           </a:p>
@@ -13479,7 +13479,7 @@
           <a:p>
             <a:fld id="{631AF7E7-9E02-4B9D-BC83-4C252CC9D70A}" type="datetimeFigureOut">
               <a:rPr lang="en-US" smtClean="0"/>
-              <a:t>7/21/2024</a:t>
+              <a:t>22-Jul-24</a:t>
             </a:fld>
             <a:endParaRPr lang="en-US"/>
           </a:p>
@@ -13596,7 +13596,7 @@
           <a:p>
             <a:fld id="{631AF7E7-9E02-4B9D-BC83-4C252CC9D70A}" type="datetimeFigureOut">
               <a:rPr lang="en-US" smtClean="0"/>
-              <a:t>7/21/2024</a:t>
+              <a:t>22-Jul-24</a:t>
             </a:fld>
             <a:endParaRPr lang="en-US"/>
           </a:p>
@@ -13691,7 +13691,7 @@
           <a:p>
             <a:fld id="{631AF7E7-9E02-4B9D-BC83-4C252CC9D70A}" type="datetimeFigureOut">
               <a:rPr lang="en-US" smtClean="0"/>
-              <a:t>7/21/2024</a:t>
+              <a:t>22-Jul-24</a:t>
             </a:fld>
             <a:endParaRPr lang="en-US"/>
           </a:p>
@@ -13966,7 +13966,7 @@
           <a:p>
             <a:fld id="{631AF7E7-9E02-4B9D-BC83-4C252CC9D70A}" type="datetimeFigureOut">
               <a:rPr lang="en-US" smtClean="0"/>
-              <a:t>7/21/2024</a:t>
+              <a:t>22-Jul-24</a:t>
             </a:fld>
             <a:endParaRPr lang="en-US"/>
           </a:p>
@@ -14218,7 +14218,7 @@
           <a:p>
             <a:fld id="{631AF7E7-9E02-4B9D-BC83-4C252CC9D70A}" type="datetimeFigureOut">
               <a:rPr lang="en-US" smtClean="0"/>
-              <a:t>7/21/2024</a:t>
+              <a:t>22-Jul-24</a:t>
             </a:fld>
             <a:endParaRPr lang="en-US"/>
           </a:p>
@@ -14429,7 +14429,7 @@
           <a:p>
             <a:fld id="{631AF7E7-9E02-4B9D-BC83-4C252CC9D70A}" type="datetimeFigureOut">
               <a:rPr lang="en-US" smtClean="0"/>
-              <a:t>7/21/2024</a:t>
+              <a:t>22-Jul-24</a:t>
             </a:fld>
             <a:endParaRPr lang="en-US"/>
           </a:p>
@@ -24168,6 +24168,9 @@
           <a:prstGeom prst="rect">
             <a:avLst/>
           </a:prstGeom>
+          <a:ln>
+            <a:noFill/>
+          </a:ln>
         </p:spPr>
         <p:style>
           <a:lnRef idx="2">
@@ -24214,6 +24217,9 @@
           <a:prstGeom prst="rect">
             <a:avLst/>
           </a:prstGeom>
+          <a:ln>
+            <a:noFill/>
+          </a:ln>
         </p:spPr>
         <p:style>
           <a:lnRef idx="2">

--- a/Baove.pptx
+++ b/Baove.pptx
@@ -241,7 +241,7 @@
           <a:p>
             <a:fld id="{DCA8F701-77F3-46B8-B345-5A575F65ACD2}" type="datetimeFigureOut">
               <a:rPr lang="en-US" smtClean="0"/>
-              <a:t>23-Jul-24</a:t>
+              <a:t>7/23/2024</a:t>
             </a:fld>
             <a:endParaRPr lang="en-US"/>
           </a:p>
@@ -418,7 +418,7 @@
           <a:p>
             <a:fld id="{4910E4C2-DA8C-47A4-B6AA-853960EC141E}" type="datetimeFigureOut">
               <a:rPr lang="en-US" smtClean="0"/>
-              <a:t>23-Jul-24</a:t>
+              <a:t>7/23/2024</a:t>
             </a:fld>
             <a:endParaRPr lang="en-US"/>
           </a:p>
@@ -6090,6 +6090,96 @@
               </a:rPr>
               <a:t>Mục tiêu đề tài là Ứng dụng các mô hình học máy để dự đoán xếp hạng mi ramen</a:t>
             </a:r>
+            <a:endParaRPr lang="en-US" sz="1200" kern="1200">
+              <a:solidFill>
+                <a:schemeClr val="tx1"/>
+              </a:solidFill>
+              <a:effectLst/>
+              <a:latin typeface="+mn-lt"/>
+              <a:ea typeface="+mn-ea"/>
+              <a:cs typeface="+mn-cs"/>
+            </a:endParaRPr>
+          </a:p>
+          <a:p>
+            <a:pPr algn="just">
+              <a:lnSpc>
+                <a:spcPct val="150000"/>
+              </a:lnSpc>
+              <a:spcBef>
+                <a:spcPts val="1000"/>
+              </a:spcBef>
+            </a:pPr>
+            <a:r>
+              <a:rPr lang="en-US" sz="1800" i="1">
+                <a:effectLst/>
+                <a:latin typeface="Times New Roman" panose="02020603050405020304" pitchFamily="18" charset="0"/>
+                <a:ea typeface="Times New Roman" panose="02020603050405020304" pitchFamily="18" charset="0"/>
+              </a:rPr>
+              <a:t>Mục tiêu cụ thể</a:t>
+            </a:r>
+            <a:r>
+              <a:rPr lang="en-US" sz="1800">
+                <a:effectLst/>
+                <a:latin typeface="Times New Roman" panose="02020603050405020304" pitchFamily="18" charset="0"/>
+                <a:ea typeface="Times New Roman" panose="02020603050405020304" pitchFamily="18" charset="0"/>
+              </a:rPr>
+              <a:t>: Để thực hiện mục tiêu tổng quát thì cần:</a:t>
+            </a:r>
+          </a:p>
+          <a:p>
+            <a:pPr algn="just">
+              <a:lnSpc>
+                <a:spcPct val="150000"/>
+              </a:lnSpc>
+              <a:spcBef>
+                <a:spcPts val="1000"/>
+              </a:spcBef>
+            </a:pPr>
+            <a:r>
+              <a:rPr lang="en-US" sz="1800">
+                <a:effectLst/>
+                <a:latin typeface="Times New Roman" panose="02020603050405020304" pitchFamily="18" charset="0"/>
+                <a:ea typeface="Times New Roman" panose="02020603050405020304" pitchFamily="18" charset="0"/>
+              </a:rPr>
+              <a:t>- Nghiên cứu bài toán phân loại mì ramen</a:t>
+            </a:r>
+          </a:p>
+          <a:p>
+            <a:pPr algn="just">
+              <a:lnSpc>
+                <a:spcPct val="150000"/>
+              </a:lnSpc>
+              <a:spcBef>
+                <a:spcPts val="1000"/>
+              </a:spcBef>
+            </a:pPr>
+            <a:r>
+              <a:rPr lang="en-US" sz="1800">
+                <a:effectLst/>
+                <a:latin typeface="Times New Roman" panose="02020603050405020304" pitchFamily="18" charset="0"/>
+                <a:ea typeface="Times New Roman" panose="02020603050405020304" pitchFamily="18" charset="0"/>
+              </a:rPr>
+              <a:t>- Nghiên cứu lý thuyết học máy, các mô hình (Hồi quy logistic, Cây quyết định, Rừng ngẫu nhiên) học máy cho bài toán phân lớp. </a:t>
+            </a:r>
+          </a:p>
+          <a:p>
+            <a:r>
+              <a:rPr lang="en-US" sz="1800">
+                <a:effectLst/>
+                <a:latin typeface="Times New Roman" panose="02020603050405020304" pitchFamily="18" charset="0"/>
+                <a:ea typeface="Times New Roman" panose="02020603050405020304" pitchFamily="18" charset="0"/>
+              </a:rPr>
+              <a:t>- Ứng dụng các mô hình nghiên cứu ở trên để thực hiện dự đoán bài toán mì ramen</a:t>
+            </a:r>
+            <a:endParaRPr lang="vi-VN" sz="1200" kern="1200">
+              <a:solidFill>
+                <a:schemeClr val="tx1"/>
+              </a:solidFill>
+              <a:effectLst/>
+              <a:latin typeface="+mn-lt"/>
+              <a:ea typeface="+mn-ea"/>
+              <a:cs typeface="+mn-cs"/>
+            </a:endParaRPr>
           </a:p>
           <a:p>
             <a:r>
@@ -15694,7 +15784,7 @@
           <a:p>
             <a:fld id="{631AF7E7-9E02-4B9D-BC83-4C252CC9D70A}" type="datetimeFigureOut">
               <a:rPr lang="en-US" smtClean="0"/>
-              <a:t>23-Jul-24</a:t>
+              <a:t>7/23/2024</a:t>
             </a:fld>
             <a:endParaRPr lang="en-US"/>
           </a:p>
@@ -15862,7 +15952,7 @@
           <a:p>
             <a:fld id="{631AF7E7-9E02-4B9D-BC83-4C252CC9D70A}" type="datetimeFigureOut">
               <a:rPr lang="en-US" smtClean="0"/>
-              <a:t>23-Jul-24</a:t>
+              <a:t>7/23/2024</a:t>
             </a:fld>
             <a:endParaRPr lang="en-US"/>
           </a:p>
@@ -16040,7 +16130,7 @@
           <a:p>
             <a:fld id="{631AF7E7-9E02-4B9D-BC83-4C252CC9D70A}" type="datetimeFigureOut">
               <a:rPr lang="en-US" smtClean="0"/>
-              <a:t>23-Jul-24</a:t>
+              <a:t>7/23/2024</a:t>
             </a:fld>
             <a:endParaRPr lang="en-US"/>
           </a:p>
@@ -16208,7 +16298,7 @@
           <a:p>
             <a:fld id="{631AF7E7-9E02-4B9D-BC83-4C252CC9D70A}" type="datetimeFigureOut">
               <a:rPr lang="en-US" smtClean="0"/>
-              <a:t>23-Jul-24</a:t>
+              <a:t>7/23/2024</a:t>
             </a:fld>
             <a:endParaRPr lang="en-US"/>
           </a:p>
@@ -16453,7 +16543,7 @@
           <a:p>
             <a:fld id="{631AF7E7-9E02-4B9D-BC83-4C252CC9D70A}" type="datetimeFigureOut">
               <a:rPr lang="en-US" smtClean="0"/>
-              <a:t>23-Jul-24</a:t>
+              <a:t>7/23/2024</a:t>
             </a:fld>
             <a:endParaRPr lang="en-US"/>
           </a:p>
@@ -16682,7 +16772,7 @@
           <a:p>
             <a:fld id="{631AF7E7-9E02-4B9D-BC83-4C252CC9D70A}" type="datetimeFigureOut">
               <a:rPr lang="en-US" smtClean="0"/>
-              <a:t>23-Jul-24</a:t>
+              <a:t>7/23/2024</a:t>
             </a:fld>
             <a:endParaRPr lang="en-US"/>
           </a:p>
@@ -17046,7 +17136,7 @@
           <a:p>
             <a:fld id="{631AF7E7-9E02-4B9D-BC83-4C252CC9D70A}" type="datetimeFigureOut">
               <a:rPr lang="en-US" smtClean="0"/>
-              <a:t>23-Jul-24</a:t>
+              <a:t>7/23/2024</a:t>
             </a:fld>
             <a:endParaRPr lang="en-US"/>
           </a:p>
@@ -17163,7 +17253,7 @@
           <a:p>
             <a:fld id="{631AF7E7-9E02-4B9D-BC83-4C252CC9D70A}" type="datetimeFigureOut">
               <a:rPr lang="en-US" smtClean="0"/>
-              <a:t>23-Jul-24</a:t>
+              <a:t>7/23/2024</a:t>
             </a:fld>
             <a:endParaRPr lang="en-US"/>
           </a:p>
@@ -17258,7 +17348,7 @@
           <a:p>
             <a:fld id="{631AF7E7-9E02-4B9D-BC83-4C252CC9D70A}" type="datetimeFigureOut">
               <a:rPr lang="en-US" smtClean="0"/>
-              <a:t>23-Jul-24</a:t>
+              <a:t>7/23/2024</a:t>
             </a:fld>
             <a:endParaRPr lang="en-US"/>
           </a:p>
@@ -17533,7 +17623,7 @@
           <a:p>
             <a:fld id="{631AF7E7-9E02-4B9D-BC83-4C252CC9D70A}" type="datetimeFigureOut">
               <a:rPr lang="en-US" smtClean="0"/>
-              <a:t>23-Jul-24</a:t>
+              <a:t>7/23/2024</a:t>
             </a:fld>
             <a:endParaRPr lang="en-US"/>
           </a:p>
@@ -17785,7 +17875,7 @@
           <a:p>
             <a:fld id="{631AF7E7-9E02-4B9D-BC83-4C252CC9D70A}" type="datetimeFigureOut">
               <a:rPr lang="en-US" smtClean="0"/>
-              <a:t>23-Jul-24</a:t>
+              <a:t>7/23/2024</a:t>
             </a:fld>
             <a:endParaRPr lang="en-US"/>
           </a:p>
@@ -18052,7 +18142,7 @@
           <a:p>
             <a:fld id="{631AF7E7-9E02-4B9D-BC83-4C252CC9D70A}" type="datetimeFigureOut">
               <a:rPr lang="en-US" smtClean="0"/>
-              <a:t>23-Jul-24</a:t>
+              <a:t>7/23/2024</a:t>
             </a:fld>
             <a:endParaRPr lang="en-US"/>
           </a:p>
@@ -28722,10 +28812,10 @@
         </p:nvGrpSpPr>
         <p:grpSpPr>
           <a:xfrm>
-            <a:off x="195309" y="479479"/>
-            <a:ext cx="11437172" cy="5356543"/>
-            <a:chOff x="1478383" y="1036075"/>
-            <a:chExt cx="9802426" cy="4891574"/>
+            <a:off x="269449" y="879639"/>
+            <a:ext cx="11437172" cy="4868790"/>
+            <a:chOff x="1478383" y="1277371"/>
+            <a:chExt cx="9802426" cy="4446163"/>
           </a:xfrm>
         </p:grpSpPr>
         <p:sp>
@@ -28847,7 +28937,7 @@
           </p:nvSpPr>
           <p:spPr>
             <a:xfrm>
-              <a:off x="6167307" y="1036075"/>
+              <a:off x="6167307" y="1352031"/>
               <a:ext cx="4143875" cy="803545"/>
             </a:xfrm>
             <a:prstGeom prst="roundRect">
@@ -28907,7 +28997,7 @@
           </p:nvSpPr>
           <p:spPr>
             <a:xfrm>
-              <a:off x="6538493" y="2019921"/>
+              <a:off x="6538493" y="2335879"/>
               <a:ext cx="4447003" cy="803545"/>
             </a:xfrm>
             <a:prstGeom prst="roundRect">
@@ -28965,7 +29055,7 @@
           </p:nvSpPr>
           <p:spPr>
             <a:xfrm>
-              <a:off x="6903797" y="3068464"/>
+              <a:off x="6903797" y="3384421"/>
               <a:ext cx="4377012" cy="803545"/>
             </a:xfrm>
             <a:prstGeom prst="roundRect">
@@ -29017,71 +29107,13 @@
         </p:sp>
         <p:sp>
           <p:nvSpPr>
-            <p:cNvPr id="10" name="Google Shape;129;p5"/>
-            <p:cNvSpPr/>
-            <p:nvPr/>
-          </p:nvSpPr>
-          <p:spPr>
-            <a:xfrm>
-              <a:off x="6623842" y="4130634"/>
-              <a:ext cx="4361654" cy="803545"/>
-            </a:xfrm>
-            <a:prstGeom prst="roundRect">
-              <a:avLst>
-                <a:gd name="adj" fmla="val 50000"/>
-              </a:avLst>
-            </a:prstGeom>
-            <a:gradFill>
-              <a:gsLst>
-                <a:gs pos="0">
-                  <a:srgbClr val="473E8F"/>
-                </a:gs>
-                <a:gs pos="100000">
-                  <a:srgbClr val="6957A1"/>
-                </a:gs>
-              </a:gsLst>
-              <a:lin ang="13500000" scaled="0"/>
-            </a:gradFill>
-            <a:ln>
-              <a:noFill/>
-            </a:ln>
-          </p:spPr>
-          <p:txBody>
-            <a:bodyPr spcFirstLastPara="1" wrap="square" lIns="91425" tIns="45700" rIns="91425" bIns="45700" anchor="ctr" anchorCtr="0">
-              <a:noAutofit/>
-            </a:bodyPr>
-            <a:lstStyle/>
-            <a:p>
-              <a:pPr marL="0" marR="0" lvl="0" indent="0" algn="ctr" rtl="0">
-                <a:spcBef>
-                  <a:spcPts val="0"/>
-                </a:spcBef>
-                <a:spcAft>
-                  <a:spcPts val="0"/>
-                </a:spcAft>
-                <a:buNone/>
-              </a:pPr>
-              <a:endParaRPr sz="1800" b="1">
-                <a:solidFill>
-                  <a:schemeClr val="lt1"/>
-                </a:solidFill>
-                <a:latin typeface="Tahoma" panose="020B0604030504040204" pitchFamily="34" charset="0"/>
-                <a:ea typeface="Tahoma" panose="020B0604030504040204" pitchFamily="34" charset="0"/>
-                <a:cs typeface="Tahoma" panose="020B0604030504040204" pitchFamily="34" charset="0"/>
-                <a:sym typeface="Calibri"/>
-              </a:endParaRPr>
-            </a:p>
-          </p:txBody>
-        </p:sp>
-        <p:sp>
-          <p:nvSpPr>
             <p:cNvPr id="11" name="Google Shape;130;p5"/>
             <p:cNvSpPr/>
             <p:nvPr/>
           </p:nvSpPr>
           <p:spPr>
             <a:xfrm>
-              <a:off x="6166629" y="5124104"/>
+              <a:off x="6643202" y="4424489"/>
               <a:ext cx="4144554" cy="803545"/>
             </a:xfrm>
             <a:prstGeom prst="roundRect">
@@ -29257,7 +29289,7 @@
           </p:nvSpPr>
           <p:spPr>
             <a:xfrm>
-              <a:off x="4851462" y="1261624"/>
+              <a:off x="5020873" y="1577578"/>
               <a:ext cx="352449" cy="352449"/>
             </a:xfrm>
             <a:prstGeom prst="ellipse">
@@ -29312,7 +29344,7 @@
           </p:nvSpPr>
           <p:spPr>
             <a:xfrm>
-              <a:off x="5636009" y="2261650"/>
+              <a:off x="5636009" y="2577610"/>
               <a:ext cx="352449" cy="352449"/>
             </a:xfrm>
             <a:prstGeom prst="ellipse">
@@ -29367,7 +29399,7 @@
           </p:nvSpPr>
           <p:spPr>
             <a:xfrm>
-              <a:off x="5856301" y="3307639"/>
+              <a:off x="5647829" y="3628926"/>
               <a:ext cx="352449" cy="352449"/>
             </a:xfrm>
             <a:prstGeom prst="ellipse">
@@ -29416,68 +29448,13 @@
         </p:sp>
         <p:sp>
           <p:nvSpPr>
-            <p:cNvPr id="16" name="Google Shape;135;p5"/>
-            <p:cNvSpPr/>
-            <p:nvPr/>
-          </p:nvSpPr>
-          <p:spPr>
-            <a:xfrm>
-              <a:off x="5715834" y="4357288"/>
-              <a:ext cx="352449" cy="352449"/>
-            </a:xfrm>
-            <a:prstGeom prst="ellipse">
-              <a:avLst/>
-            </a:prstGeom>
-            <a:solidFill>
-              <a:srgbClr val="64539E"/>
-            </a:solidFill>
-            <a:ln>
-              <a:noFill/>
-            </a:ln>
-            <a:effectLst>
-              <a:outerShdw blurRad="254000" dist="38100" dir="2700000" sx="102000" sy="102000" algn="tl" rotWithShape="0">
-                <a:srgbClr val="000000">
-                  <a:alpha val="40000"/>
-                </a:srgbClr>
-              </a:outerShdw>
-            </a:effectLst>
-          </p:spPr>
-          <p:txBody>
-            <a:bodyPr spcFirstLastPara="1" wrap="square" lIns="91425" tIns="45700" rIns="91425" bIns="45700" anchor="ctr" anchorCtr="0">
-              <a:noAutofit/>
-            </a:bodyPr>
-            <a:lstStyle/>
-            <a:p>
-              <a:pPr marL="0" marR="0" lvl="0" indent="0" algn="ctr" rtl="0">
-                <a:spcBef>
-                  <a:spcPts val="0"/>
-                </a:spcBef>
-                <a:spcAft>
-                  <a:spcPts val="0"/>
-                </a:spcAft>
-                <a:buNone/>
-              </a:pPr>
-              <a:endParaRPr sz="1800">
-                <a:solidFill>
-                  <a:schemeClr val="lt1"/>
-                </a:solidFill>
-                <a:latin typeface="Times New Roman" panose="02020603050405020304" pitchFamily="18" charset="0"/>
-                <a:ea typeface="Calibri"/>
-                <a:cs typeface="Times New Roman" panose="02020603050405020304" pitchFamily="18" charset="0"/>
-                <a:sym typeface="Calibri"/>
-              </a:endParaRPr>
-            </a:p>
-          </p:txBody>
-        </p:sp>
-        <p:sp>
-          <p:nvSpPr>
             <p:cNvPr id="17" name="Google Shape;136;p5"/>
             <p:cNvSpPr/>
             <p:nvPr/>
           </p:nvSpPr>
           <p:spPr>
             <a:xfrm>
-              <a:off x="4862066" y="5361122"/>
+              <a:off x="5327541" y="4628955"/>
               <a:ext cx="352449" cy="352449"/>
             </a:xfrm>
             <a:prstGeom prst="ellipse">
@@ -29534,9 +29511,9 @@
             <p:nvPr/>
           </p:nvCxnSpPr>
           <p:spPr>
-            <a:xfrm flipV="1">
-              <a:off x="5203911" y="1437847"/>
-              <a:ext cx="963396" cy="2"/>
+            <a:xfrm>
+              <a:off x="5373322" y="1753803"/>
+              <a:ext cx="793985" cy="1"/>
             </a:xfrm>
             <a:prstGeom prst="straightConnector1">
               <a:avLst/>
@@ -29564,7 +29541,7 @@
           </p:nvCxnSpPr>
           <p:spPr>
             <a:xfrm flipV="1">
-              <a:off x="5988459" y="2421694"/>
+              <a:off x="5988459" y="2737654"/>
               <a:ext cx="550034" cy="16181"/>
             </a:xfrm>
             <a:prstGeom prst="straightConnector1">
@@ -29593,37 +29570,8 @@
           </p:nvCxnSpPr>
           <p:spPr>
             <a:xfrm flipV="1">
-              <a:off x="6208751" y="3470236"/>
-              <a:ext cx="695046" cy="13628"/>
-            </a:xfrm>
-            <a:prstGeom prst="straightConnector1">
-              <a:avLst/>
-            </a:prstGeom>
-            <a:noFill/>
-            <a:ln w="9525" cap="flat" cmpd="sng">
-              <a:solidFill>
-                <a:srgbClr val="BFBFBF"/>
-              </a:solidFill>
-              <a:prstDash val="solid"/>
-              <a:miter lim="800000"/>
-              <a:headEnd type="none" w="sm" len="sm"/>
-              <a:tailEnd type="none" w="sm" len="sm"/>
-            </a:ln>
-          </p:spPr>
-        </p:cxnSp>
-        <p:cxnSp>
-          <p:nvCxnSpPr>
-            <p:cNvPr id="21" name="Google Shape;140;p5"/>
-            <p:cNvCxnSpPr>
-              <a:stCxn id="16" idx="6"/>
-              <a:endCxn id="10" idx="1"/>
-            </p:cNvCxnSpPr>
-            <p:nvPr/>
-          </p:nvCxnSpPr>
-          <p:spPr>
-            <a:xfrm flipV="1">
-              <a:off x="6068283" y="4532407"/>
-              <a:ext cx="555559" cy="1106"/>
+              <a:off x="6000279" y="3786194"/>
+              <a:ext cx="903519" cy="18957"/>
             </a:xfrm>
             <a:prstGeom prst="straightConnector1">
               <a:avLst/>
@@ -29650,9 +29598,9 @@
             <p:nvPr/>
           </p:nvCxnSpPr>
           <p:spPr>
-            <a:xfrm flipV="1">
-              <a:off x="5214515" y="5525877"/>
-              <a:ext cx="952114" cy="11471"/>
+            <a:xfrm>
+              <a:off x="5679990" y="4805180"/>
+              <a:ext cx="963212" cy="21081"/>
             </a:xfrm>
             <a:prstGeom prst="straightConnector1">
               <a:avLst/>
@@ -29677,7 +29625,7 @@
           </p:nvSpPr>
           <p:spPr>
             <a:xfrm>
-              <a:off x="6263475" y="1132484"/>
+              <a:off x="6263475" y="1448439"/>
               <a:ext cx="643888" cy="643888"/>
             </a:xfrm>
             <a:prstGeom prst="ellipse">
@@ -29740,7 +29688,7 @@
           </p:nvSpPr>
           <p:spPr>
             <a:xfrm>
-              <a:off x="6626887" y="2079008"/>
+              <a:off x="6626887" y="2394967"/>
               <a:ext cx="643888" cy="643888"/>
             </a:xfrm>
             <a:prstGeom prst="ellipse">
@@ -29803,7 +29751,7 @@
           </p:nvSpPr>
           <p:spPr>
             <a:xfrm>
-              <a:off x="6999727" y="3148291"/>
+              <a:off x="6999727" y="3464249"/>
               <a:ext cx="643888" cy="643888"/>
             </a:xfrm>
             <a:prstGeom prst="ellipse">
@@ -29860,76 +29808,13 @@
         </p:sp>
         <p:sp>
           <p:nvSpPr>
-            <p:cNvPr id="26" name="Google Shape;145;p5"/>
-            <p:cNvSpPr/>
-            <p:nvPr/>
-          </p:nvSpPr>
-          <p:spPr>
-            <a:xfrm>
-              <a:off x="6688111" y="4210462"/>
-              <a:ext cx="643888" cy="643888"/>
-            </a:xfrm>
-            <a:prstGeom prst="ellipse">
-              <a:avLst/>
-            </a:prstGeom>
-            <a:gradFill>
-              <a:gsLst>
-                <a:gs pos="0">
-                  <a:srgbClr val="DDE1E2"/>
-                </a:gs>
-                <a:gs pos="100000">
-                  <a:srgbClr val="FFFFFF"/>
-                </a:gs>
-              </a:gsLst>
-              <a:lin ang="16200000" scaled="0"/>
-            </a:gradFill>
-            <a:ln>
-              <a:noFill/>
-            </a:ln>
-            <a:effectLst>
-              <a:outerShdw blurRad="330200" dist="63500" dir="2700000" sx="105999" sy="105999" algn="tl" rotWithShape="0">
-                <a:srgbClr val="3F3F3F">
-                  <a:alpha val="40000"/>
-                </a:srgbClr>
-              </a:outerShdw>
-            </a:effectLst>
-          </p:spPr>
-          <p:txBody>
-            <a:bodyPr spcFirstLastPara="1" wrap="square" lIns="91425" tIns="45700" rIns="91425" bIns="45700" anchor="ctr" anchorCtr="0">
-              <a:noAutofit/>
-            </a:bodyPr>
-            <a:lstStyle/>
-            <a:p>
-              <a:pPr marL="0" marR="0" lvl="0" indent="0" algn="ctr" rtl="0">
-                <a:spcBef>
-                  <a:spcPts val="0"/>
-                </a:spcBef>
-                <a:spcAft>
-                  <a:spcPts val="0"/>
-                </a:spcAft>
-                <a:buNone/>
-              </a:pPr>
-              <a:endParaRPr sz="1800">
-                <a:solidFill>
-                  <a:schemeClr val="lt1"/>
-                </a:solidFill>
-                <a:latin typeface="Times New Roman" panose="02020603050405020304" pitchFamily="18" charset="0"/>
-                <a:ea typeface="Calibri"/>
-                <a:cs typeface="Times New Roman" panose="02020603050405020304" pitchFamily="18" charset="0"/>
-                <a:sym typeface="Calibri"/>
-              </a:endParaRPr>
-            </a:p>
-          </p:txBody>
-        </p:sp>
-        <p:sp>
-          <p:nvSpPr>
             <p:cNvPr id="27" name="Google Shape;146;p5"/>
             <p:cNvSpPr/>
             <p:nvPr/>
           </p:nvSpPr>
           <p:spPr>
             <a:xfrm>
-              <a:off x="6253975" y="5202826"/>
+              <a:off x="6730544" y="4503210"/>
               <a:ext cx="643888" cy="643888"/>
             </a:xfrm>
             <a:prstGeom prst="ellipse">
@@ -30667,7 +30552,7 @@
           </p:nvSpPr>
           <p:spPr>
             <a:xfrm>
-              <a:off x="6962744" y="1260536"/>
+              <a:off x="6962744" y="1576491"/>
               <a:ext cx="2955207" cy="365341"/>
             </a:xfrm>
             <a:prstGeom prst="rect">
@@ -30725,7 +30610,7 @@
           </p:nvSpPr>
           <p:spPr>
             <a:xfrm>
-              <a:off x="6895937" y="2114673"/>
+              <a:off x="6895937" y="2430631"/>
               <a:ext cx="4177449" cy="646402"/>
             </a:xfrm>
             <a:prstGeom prst="rect">
@@ -30802,7 +30687,7 @@
           </p:nvSpPr>
           <p:spPr>
             <a:xfrm>
-              <a:off x="7722044" y="3181956"/>
+              <a:off x="7722044" y="3497914"/>
               <a:ext cx="3319916" cy="590189"/>
             </a:xfrm>
             <a:prstGeom prst="rect">
@@ -30873,71 +30758,13 @@
         </p:sp>
         <p:sp>
           <p:nvSpPr>
-            <p:cNvPr id="47" name="Google Shape;166;p5"/>
-            <p:cNvSpPr txBox="1"/>
-            <p:nvPr/>
-          </p:nvSpPr>
-          <p:spPr>
-            <a:xfrm>
-              <a:off x="7446517" y="4314903"/>
-              <a:ext cx="2610317" cy="337235"/>
-            </a:xfrm>
-            <a:prstGeom prst="rect">
-              <a:avLst/>
-            </a:prstGeom>
-            <a:noFill/>
-            <a:ln>
-              <a:noFill/>
-            </a:ln>
-          </p:spPr>
-          <p:txBody>
-            <a:bodyPr spcFirstLastPara="1" wrap="square" lIns="91425" tIns="45700" rIns="91425" bIns="45700" anchor="t" anchorCtr="0">
-              <a:spAutoFit/>
-            </a:bodyPr>
-            <a:lstStyle/>
-            <a:p>
-              <a:pPr marL="0" marR="0" lvl="0" indent="0" algn="l" rtl="0">
-                <a:spcBef>
-                  <a:spcPts val="0"/>
-                </a:spcBef>
-                <a:spcAft>
-                  <a:spcPts val="0"/>
-                </a:spcAft>
-                <a:buNone/>
-              </a:pPr>
-              <a:r>
-                <a:rPr lang="en-US" sz="1800" b="1">
-                  <a:solidFill>
-                    <a:schemeClr val="lt1"/>
-                  </a:solidFill>
-                  <a:latin typeface="Tahoma" panose="020B0604030504040204" pitchFamily="34" charset="0"/>
-                  <a:ea typeface="Tahoma" panose="020B0604030504040204" pitchFamily="34" charset="0"/>
-                  <a:cs typeface="Tahoma" panose="020B0604030504040204" pitchFamily="34" charset="0"/>
-                  <a:sym typeface="Arial"/>
-                </a:rPr>
-                <a:t>KẾT QUẢ VÀ ĐÁNH GIÁ</a:t>
-              </a:r>
-              <a:endParaRPr sz="1800" b="1">
-                <a:solidFill>
-                  <a:schemeClr val="lt1"/>
-                </a:solidFill>
-                <a:latin typeface="Tahoma" panose="020B0604030504040204" pitchFamily="34" charset="0"/>
-                <a:ea typeface="Tahoma" panose="020B0604030504040204" pitchFamily="34" charset="0"/>
-                <a:cs typeface="Tahoma" panose="020B0604030504040204" pitchFamily="34" charset="0"/>
-                <a:sym typeface="Arial"/>
-              </a:endParaRPr>
-            </a:p>
-          </p:txBody>
-        </p:sp>
-        <p:sp>
-          <p:nvSpPr>
             <p:cNvPr id="48" name="Google Shape;167;p5"/>
             <p:cNvSpPr txBox="1"/>
             <p:nvPr/>
           </p:nvSpPr>
           <p:spPr>
             <a:xfrm>
-              <a:off x="6885405" y="5228993"/>
+              <a:off x="7361983" y="4529374"/>
               <a:ext cx="3271152" cy="646402"/>
             </a:xfrm>
             <a:prstGeom prst="rect">

--- a/Baove.pptx
+++ b/Baove.pptx
@@ -246,7 +246,7 @@
           <a:p>
             <a:fld id="{DCA8F701-77F3-46B8-B345-5A575F65ACD2}" type="datetimeFigureOut">
               <a:rPr lang="en-US" smtClean="0"/>
-              <a:t>7/23/2024</a:t>
+              <a:t>24-Jul-24</a:t>
             </a:fld>
             <a:endParaRPr lang="en-US"/>
           </a:p>
@@ -423,7 +423,7 @@
           <a:p>
             <a:fld id="{4910E4C2-DA8C-47A4-B6AA-853960EC141E}" type="datetimeFigureOut">
               <a:rPr lang="en-US" smtClean="0"/>
-              <a:t>7/23/2024</a:t>
+              <a:t>24-Jul-24</a:t>
             </a:fld>
             <a:endParaRPr lang="en-US"/>
           </a:p>
@@ -4894,194 +4894,247 @@
           <a:lstStyle/>
           <a:p>
             <a:r>
-              <a:rPr lang="en-US"/>
+              <a:rPr lang="en-US" dirty="0"/>
               <a:t>Ở </a:t>
             </a:r>
             <a:r>
-              <a:rPr lang="en-US" err="1"/>
+              <a:rPr lang="en-US" dirty="0" err="1"/>
               <a:t>đây</a:t>
             </a:r>
             <a:r>
-              <a:rPr lang="en-US"/>
+              <a:rPr lang="en-US" dirty="0"/>
               <a:t> e </a:t>
             </a:r>
             <a:r>
-              <a:rPr lang="en-US" err="1"/>
+              <a:rPr lang="en-US" dirty="0" err="1"/>
               <a:t>sử</a:t>
             </a:r>
             <a:r>
-              <a:rPr lang="en-US"/>
-              <a:t> </a:t>
-            </a:r>
-            <a:r>
-              <a:rPr lang="en-US" err="1"/>
+              <a:rPr lang="en-US" dirty="0"/>
+              <a:t> </a:t>
+            </a:r>
+            <a:r>
+              <a:rPr lang="en-US" dirty="0" err="1"/>
               <a:t>dụng</a:t>
             </a:r>
             <a:r>
-              <a:rPr lang="en-US"/>
+              <a:rPr lang="en-US" dirty="0"/>
               <a:t> 2 </a:t>
             </a:r>
             <a:r>
-              <a:rPr lang="en-US" err="1"/>
+              <a:rPr lang="en-US" dirty="0" err="1"/>
               <a:t>lần</a:t>
             </a:r>
             <a:r>
-              <a:rPr lang="en-US"/>
-              <a:t> </a:t>
-            </a:r>
-            <a:r>
-              <a:rPr lang="en-US" err="1"/>
+              <a:rPr lang="en-US" dirty="0"/>
+              <a:t> </a:t>
+            </a:r>
+            <a:r>
+              <a:rPr lang="en-US" dirty="0" err="1"/>
               <a:t>huấn</a:t>
             </a:r>
             <a:r>
-              <a:rPr lang="en-US"/>
-              <a:t> </a:t>
-            </a:r>
-            <a:r>
-              <a:rPr lang="en-US" err="1"/>
+              <a:rPr lang="en-US" dirty="0"/>
+              <a:t> </a:t>
+            </a:r>
+            <a:r>
+              <a:rPr lang="en-US" dirty="0" err="1"/>
               <a:t>luyện</a:t>
             </a:r>
             <a:r>
-              <a:rPr lang="en-US"/>
-              <a:t> </a:t>
-            </a:r>
-            <a:r>
-              <a:rPr lang="en-US" err="1"/>
+              <a:rPr lang="en-US" dirty="0"/>
+              <a:t> </a:t>
+            </a:r>
+            <a:r>
+              <a:rPr lang="en-US" dirty="0" err="1"/>
               <a:t>mô</a:t>
             </a:r>
             <a:r>
-              <a:rPr lang="en-US"/>
-              <a:t> </a:t>
-            </a:r>
-            <a:r>
-              <a:rPr lang="en-US" err="1"/>
+              <a:rPr lang="en-US" dirty="0"/>
+              <a:t> </a:t>
+            </a:r>
+            <a:r>
+              <a:rPr lang="en-US" dirty="0" err="1"/>
               <a:t>hình</a:t>
             </a:r>
-            <a:endParaRPr lang="en-US"/>
+            <a:endParaRPr lang="en-US" dirty="0"/>
           </a:p>
           <a:p>
             <a:r>
-              <a:rPr lang="en-US" err="1"/>
+              <a:rPr lang="en-US" dirty="0" err="1"/>
               <a:t>Lần</a:t>
             </a:r>
             <a:r>
-              <a:rPr lang="en-US"/>
+              <a:rPr lang="en-US" dirty="0"/>
               <a:t> 1 e </a:t>
             </a:r>
             <a:r>
-              <a:rPr lang="en-US" err="1"/>
+              <a:rPr lang="en-US" dirty="0" err="1"/>
               <a:t>sử</a:t>
             </a:r>
             <a:r>
-              <a:rPr lang="en-US"/>
-              <a:t> </a:t>
-            </a:r>
-            <a:r>
-              <a:rPr lang="en-US" err="1"/>
+              <a:rPr lang="en-US" dirty="0"/>
+              <a:t> </a:t>
+            </a:r>
+            <a:r>
+              <a:rPr lang="en-US" dirty="0" err="1"/>
               <a:t>dụng</a:t>
             </a:r>
             <a:r>
-              <a:rPr lang="en-US"/>
-              <a:t> </a:t>
-            </a:r>
-            <a:r>
-              <a:rPr lang="en-US" err="1"/>
+              <a:rPr lang="en-US" dirty="0"/>
+              <a:t> </a:t>
+            </a:r>
+            <a:r>
+              <a:rPr lang="en-US" dirty="0" err="1"/>
               <a:t>các</a:t>
             </a:r>
             <a:r>
-              <a:rPr lang="en-US"/>
-              <a:t> </a:t>
-            </a:r>
-            <a:r>
-              <a:rPr lang="en-US" err="1"/>
+              <a:rPr lang="en-US" dirty="0"/>
+              <a:t> </a:t>
+            </a:r>
+            <a:r>
+              <a:rPr lang="en-US" dirty="0" err="1"/>
               <a:t>giá</a:t>
             </a:r>
             <a:r>
-              <a:rPr lang="en-US"/>
-              <a:t> </a:t>
-            </a:r>
-            <a:r>
-              <a:rPr lang="en-US" err="1"/>
+              <a:rPr lang="en-US" dirty="0"/>
+              <a:t> </a:t>
+            </a:r>
+            <a:r>
+              <a:rPr lang="en-US" dirty="0" err="1"/>
               <a:t>trị</a:t>
             </a:r>
             <a:r>
-              <a:rPr lang="en-US"/>
-              <a:t> </a:t>
-            </a:r>
-            <a:r>
-              <a:rPr lang="en-US" err="1"/>
+              <a:rPr lang="en-US" dirty="0"/>
+              <a:t> </a:t>
+            </a:r>
+            <a:r>
+              <a:rPr lang="en-US" dirty="0" err="1"/>
               <a:t>nguyên</a:t>
             </a:r>
             <a:r>
-              <a:rPr lang="en-US"/>
-              <a:t> </a:t>
-            </a:r>
-            <a:r>
-              <a:rPr lang="en-US" err="1"/>
+              <a:rPr lang="en-US" dirty="0"/>
+              <a:t> </a:t>
+            </a:r>
+            <a:r>
+              <a:rPr lang="en-US" dirty="0" err="1"/>
               <a:t>bản</a:t>
             </a:r>
             <a:r>
-              <a:rPr lang="en-US"/>
-              <a:t> </a:t>
-            </a:r>
-            <a:r>
-              <a:rPr lang="en-US" err="1"/>
+              <a:rPr lang="en-US" dirty="0"/>
+              <a:t> </a:t>
+            </a:r>
+            <a:r>
+              <a:rPr lang="en-US" dirty="0" err="1"/>
               <a:t>để</a:t>
             </a:r>
             <a:r>
-              <a:rPr lang="en-US"/>
-              <a:t> </a:t>
-            </a:r>
-            <a:r>
-              <a:rPr lang="en-US" err="1"/>
+              <a:rPr lang="en-US" dirty="0"/>
+              <a:t> </a:t>
+            </a:r>
+            <a:r>
+              <a:rPr lang="en-US" dirty="0" err="1"/>
               <a:t>huấn</a:t>
             </a:r>
             <a:r>
-              <a:rPr lang="en-US"/>
-              <a:t> </a:t>
-            </a:r>
-            <a:r>
-              <a:rPr lang="en-US" err="1"/>
+              <a:rPr lang="en-US" dirty="0"/>
+              <a:t> </a:t>
+            </a:r>
+            <a:r>
+              <a:rPr lang="en-US" dirty="0" err="1"/>
               <a:t>luyện</a:t>
             </a:r>
             <a:r>
-              <a:rPr lang="en-US"/>
-              <a:t> </a:t>
-            </a:r>
-            <a:r>
-              <a:rPr lang="en-US" err="1"/>
+              <a:rPr lang="en-US" dirty="0"/>
+              <a:t> </a:t>
+            </a:r>
+            <a:r>
+              <a:rPr lang="en-US" dirty="0" err="1"/>
               <a:t>với</a:t>
             </a:r>
             <a:r>
-              <a:rPr lang="en-US"/>
+              <a:rPr lang="en-US" dirty="0"/>
               <a:t> 3 </a:t>
             </a:r>
             <a:r>
-              <a:rPr lang="en-US" err="1"/>
+              <a:rPr lang="en-US" dirty="0" err="1"/>
               <a:t>thuật</a:t>
             </a:r>
             <a:r>
-              <a:rPr lang="en-US"/>
-              <a:t> </a:t>
-            </a:r>
-            <a:r>
-              <a:rPr lang="en-US" err="1"/>
+              <a:rPr lang="en-US" dirty="0"/>
+              <a:t> </a:t>
+            </a:r>
+            <a:r>
+              <a:rPr lang="en-US" dirty="0" err="1"/>
               <a:t>toán</a:t>
             </a:r>
             <a:r>
-              <a:rPr lang="en-US"/>
+              <a:rPr lang="en-US" dirty="0"/>
               <a:t> ….</a:t>
             </a:r>
           </a:p>
           <a:p>
             <a:r>
-              <a:rPr lang="en-US" err="1"/>
+              <a:rPr lang="en-US" dirty="0" err="1"/>
               <a:t>Lần</a:t>
             </a:r>
             <a:r>
-              <a:rPr lang="en-US"/>
-              <a:t> 2 e áp dụng them grid search vào huấn luyện mô hình</a:t>
-            </a:r>
+              <a:rPr lang="en-US" dirty="0"/>
+              <a:t> 2 e </a:t>
+            </a:r>
+            <a:r>
+              <a:rPr lang="en-US" dirty="0" err="1"/>
+              <a:t>áp</a:t>
+            </a:r>
+            <a:r>
+              <a:rPr lang="en-US" dirty="0"/>
+              <a:t> </a:t>
+            </a:r>
+            <a:r>
+              <a:rPr lang="en-US" dirty="0" err="1"/>
+              <a:t>dụng</a:t>
+            </a:r>
+            <a:r>
+              <a:rPr lang="en-US" dirty="0"/>
+              <a:t> them grid search </a:t>
+            </a:r>
+            <a:r>
+              <a:rPr lang="en-US" dirty="0" err="1"/>
+              <a:t>vào</a:t>
+            </a:r>
+            <a:r>
+              <a:rPr lang="en-US" dirty="0"/>
+              <a:t> </a:t>
+            </a:r>
+            <a:r>
+              <a:rPr lang="en-US" dirty="0" err="1"/>
+              <a:t>huấn</a:t>
+            </a:r>
+            <a:r>
+              <a:rPr lang="en-US" dirty="0"/>
+              <a:t> </a:t>
+            </a:r>
+            <a:r>
+              <a:rPr lang="en-US" dirty="0" err="1"/>
+              <a:t>luyện</a:t>
+            </a:r>
+            <a:r>
+              <a:rPr lang="en-US" dirty="0"/>
+              <a:t> </a:t>
+            </a:r>
+            <a:r>
+              <a:rPr lang="en-US" dirty="0" err="1"/>
+              <a:t>mô</a:t>
+            </a:r>
+            <a:r>
+              <a:rPr lang="en-US" dirty="0"/>
+              <a:t> </a:t>
+            </a:r>
+            <a:r>
+              <a:rPr lang="en-US" dirty="0" err="1"/>
+              <a:t>hình</a:t>
+            </a:r>
+            <a:endParaRPr lang="en-US" dirty="0"/>
           </a:p>
         </p:txBody>
       </p:sp>
@@ -9154,22 +9207,9 @@
                 </a:highlight>
                 <a:latin typeface="inter-regular"/>
               </a:rPr>
-              <a:t>: Quy tắc liên kết là một phương pháp học tập không giám sát được sử dụng để tìm mối quan hệ giữa các biến trong cơ sở dữ liệu lớn. Nó xác định tập hợp các mục xảy ra cùng nhau trong tập dữ liệu. Quy tắc liên kết làm cho chiến lược tiếp thị hiệu quả hơn. Chẳng hạn như những người mua mặt hàng X (giả sử là bánh mì) cũng có xu hướng mua mặt hàng Y (Bơ / </a:t>
-            </a:r>
-            <a:r>
-              <a:rPr lang="vi-VN" b="0" i="0">
-                <a:solidFill>
-                  <a:srgbClr val="000000"/>
-                </a:solidFill>
-                <a:effectLst/>
-                <a:highlight>
-                  <a:srgbClr val="FFFFFF"/>
-                </a:highlight>
-                <a:latin typeface="inter-regular"/>
-              </a:rPr>
-              <a:t>Mứt)</a:t>
-            </a:r>
-            <a:endParaRPr lang="en-US" b="0" i="0">
+              <a:t>: Quy tắc liên kết là một phương pháp học tập không giám sát được sử dụng để tìm mối quan hệ giữa các biến trong cơ sở dữ liệu lớn. Nó xác định tập hợp các mục xảy ra cùng nhau trong tập dữ liệu. Quy tắc liên kết làm cho chiến lược tiếp thị hiệu quả hơn. Chẳng hạn như những người mua mặt hàng X (giả sử là bánh mì) cũng có xu hướng mua mặt hàng Y (Bơ / Mứt)</a:t>
+            </a:r>
+            <a:endParaRPr lang="en-US" b="0" i="0" dirty="0">
               <a:solidFill>
                 <a:srgbClr val="000000"/>
               </a:solidFill>
@@ -9190,7 +9230,7 @@
               </a:spcBef>
             </a:pPr>
             <a:r>
-              <a:rPr lang="vi-VN" sz="1200" b="1" spc="-70">
+              <a:rPr lang="vi-VN" sz="1200" b="1" spc="-70" dirty="0">
                 <a:solidFill>
                   <a:srgbClr val="40A340"/>
                 </a:solidFill>
@@ -9201,7 +9241,7 @@
               <a:t>Classification</a:t>
             </a:r>
             <a:r>
-              <a:rPr lang="en-US" sz="1200" b="1" i="0" spc="0">
+              <a:rPr lang="en-US" sz="1200" b="1" i="0" spc="0" dirty="0">
                 <a:solidFill>
                   <a:schemeClr val="tx1"/>
                 </a:solidFill>
@@ -9212,7 +9252,7 @@
               <a:t> : </a:t>
             </a:r>
             <a:r>
-              <a:rPr lang="vi-VN" sz="1200" i="1" spc="0">
+              <a:rPr lang="vi-VN" sz="1200" i="1" spc="0" dirty="0">
                 <a:solidFill>
                   <a:srgbClr val="40A340"/>
                 </a:solidFill>
@@ -9222,7 +9262,7 @@
               </a:rPr>
               <a:t>Biến đầu ra là lớp của đối tượng</a:t>
             </a:r>
-            <a:endParaRPr lang="en-US" sz="1200" i="1" spc="0">
+            <a:endParaRPr lang="en-US" sz="1200" i="1" spc="0" dirty="0">
               <a:solidFill>
                 <a:srgbClr val="40A340"/>
               </a:solidFill>
@@ -9241,7 +9281,7 @@
               </a:spcBef>
             </a:pPr>
             <a:r>
-              <a:rPr lang="en-US" sz="1200" b="1" spc="-25">
+              <a:rPr lang="en-US" sz="1200" b="1" spc="-25" dirty="0">
                 <a:solidFill>
                   <a:srgbClr val="40A340"/>
                 </a:solidFill>
@@ -9251,7 +9291,7 @@
               <a:t>Regression</a:t>
             </a:r>
             <a:r>
-              <a:rPr lang="en-US" sz="1200" b="1" i="0" spc="0">
+              <a:rPr lang="en-US" sz="1200" b="1" i="0" spc="0" dirty="0">
                 <a:solidFill>
                   <a:schemeClr val="tx1"/>
                 </a:solidFill>
@@ -9261,7 +9301,7 @@
               <a:t>: </a:t>
             </a:r>
             <a:r>
-              <a:rPr lang="en-US" sz="1200" i="1" spc="60">
+              <a:rPr lang="en-US" sz="1200" i="1" spc="60" dirty="0" err="1">
                 <a:solidFill>
                   <a:srgbClr val="40A340"/>
                 </a:solidFill>
@@ -9271,7 +9311,7 @@
               <a:t>Biến</a:t>
             </a:r>
             <a:r>
-              <a:rPr lang="en-US" sz="1200" i="1" spc="-160">
+              <a:rPr lang="en-US" sz="1200" i="1" spc="-160" dirty="0">
                 <a:solidFill>
                   <a:srgbClr val="40A340"/>
                 </a:solidFill>
@@ -9281,7 +9321,7 @@
               <a:t> </a:t>
             </a:r>
             <a:r>
-              <a:rPr lang="en-US" sz="1200" i="1" spc="105">
+              <a:rPr lang="en-US" sz="1200" i="1" spc="105" dirty="0" err="1">
                 <a:solidFill>
                   <a:srgbClr val="40A340"/>
                 </a:solidFill>
@@ -9291,7 +9331,7 @@
               <a:t>đầu</a:t>
             </a:r>
             <a:r>
-              <a:rPr lang="en-US" sz="1200" i="1" spc="-160">
+              <a:rPr lang="en-US" sz="1200" i="1" spc="-160" dirty="0">
                 <a:solidFill>
                   <a:srgbClr val="40A340"/>
                 </a:solidFill>
@@ -9301,7 +9341,7 @@
               <a:t> </a:t>
             </a:r>
             <a:r>
-              <a:rPr lang="en-US" sz="1200" i="1" spc="50">
+              <a:rPr lang="en-US" sz="1200" i="1" spc="50" dirty="0" err="1">
                 <a:solidFill>
                   <a:srgbClr val="40A340"/>
                 </a:solidFill>
@@ -9311,7 +9351,7 @@
               <a:t>ra</a:t>
             </a:r>
             <a:r>
-              <a:rPr lang="en-US" sz="1200" i="1" spc="-155">
+              <a:rPr lang="en-US" sz="1200" i="1" spc="-155" dirty="0">
                 <a:solidFill>
                   <a:srgbClr val="40A340"/>
                 </a:solidFill>
@@ -9321,97 +9361,97 @@
               <a:t> </a:t>
             </a:r>
             <a:r>
-              <a:rPr lang="en-US" sz="1200" i="1" spc="40">
+              <a:rPr lang="en-US" sz="1200" i="1" spc="40" dirty="0" err="1">
                 <a:solidFill>
                   <a:srgbClr val="40A340"/>
                 </a:solidFill>
                 <a:latin typeface="Verdana"/>
                 <a:cs typeface="Verdana"/>
               </a:rPr>
-              <a:t>là </a:t>
-            </a:r>
-            <a:r>
-              <a:rPr lang="en-US" sz="1200" i="1" spc="75">
+              <a:t>là</a:t>
+            </a:r>
+            <a:r>
+              <a:rPr lang="en-US" sz="1200" i="1" spc="40" dirty="0">
                 <a:solidFill>
                   <a:srgbClr val="40A340"/>
                 </a:solidFill>
                 <a:latin typeface="Verdana"/>
                 <a:cs typeface="Verdana"/>
               </a:rPr>
-              <a:t>một</a:t>
-            </a:r>
-            <a:r>
-              <a:rPr lang="en-US" sz="1200" i="1" spc="-155">
+              <a:t> </a:t>
+            </a:r>
+            <a:r>
+              <a:rPr lang="en-US" sz="1200" i="1" spc="75" dirty="0" err="1">
                 <a:solidFill>
                   <a:srgbClr val="40A340"/>
                 </a:solidFill>
                 <a:latin typeface="Verdana"/>
                 <a:cs typeface="Verdana"/>
               </a:rPr>
-              <a:t> </a:t>
-            </a:r>
-            <a:r>
-              <a:rPr lang="en-US" sz="1200" i="1" spc="85">
+              <a:t>một</a:t>
+            </a:r>
+            <a:r>
+              <a:rPr lang="en-US" sz="1200" i="1" spc="-155" dirty="0">
                 <a:solidFill>
                   <a:srgbClr val="40A340"/>
                 </a:solidFill>
                 <a:latin typeface="Verdana"/>
                 <a:cs typeface="Verdana"/>
               </a:rPr>
-              <a:t>giá</a:t>
-            </a:r>
-            <a:r>
-              <a:rPr lang="en-US" sz="1200" i="1" spc="-155">
+              <a:t> </a:t>
+            </a:r>
+            <a:r>
+              <a:rPr lang="en-US" sz="1200" i="1" spc="85" dirty="0" err="1">
                 <a:solidFill>
                   <a:srgbClr val="40A340"/>
                 </a:solidFill>
                 <a:latin typeface="Verdana"/>
                 <a:cs typeface="Verdana"/>
               </a:rPr>
-              <a:t> </a:t>
-            </a:r>
-            <a:r>
-              <a:rPr lang="en-US" sz="1200" i="1" spc="-10">
+              <a:t>giá</a:t>
+            </a:r>
+            <a:r>
+              <a:rPr lang="en-US" sz="1200" i="1" spc="-155" dirty="0">
                 <a:solidFill>
                   <a:srgbClr val="40A340"/>
                 </a:solidFill>
                 <a:latin typeface="Verdana"/>
                 <a:cs typeface="Verdana"/>
               </a:rPr>
-              <a:t>trị</a:t>
-            </a:r>
-            <a:r>
-              <a:rPr lang="en-US" sz="1200" i="1" spc="-155">
+              <a:t> </a:t>
+            </a:r>
+            <a:r>
+              <a:rPr lang="en-US" sz="1200" i="1" spc="-10" dirty="0" err="1">
                 <a:solidFill>
                   <a:srgbClr val="40A340"/>
                 </a:solidFill>
                 <a:latin typeface="Verdana"/>
                 <a:cs typeface="Verdana"/>
               </a:rPr>
-              <a:t> </a:t>
-            </a:r>
-            <a:r>
-              <a:rPr lang="en-US" sz="1200" i="1" spc="30">
+              <a:t>trị</a:t>
+            </a:r>
+            <a:r>
+              <a:rPr lang="en-US" sz="1200" i="1" spc="-155" dirty="0">
                 <a:solidFill>
                   <a:srgbClr val="40A340"/>
                 </a:solidFill>
                 <a:latin typeface="Verdana"/>
                 <a:cs typeface="Verdana"/>
               </a:rPr>
-              <a:t>biến </a:t>
-            </a:r>
-            <a:r>
-              <a:rPr lang="en-US" sz="1200" i="1">
+              <a:t> </a:t>
+            </a:r>
+            <a:r>
+              <a:rPr lang="en-US" sz="1200" i="1" spc="30" dirty="0" err="1">
                 <a:solidFill>
                   <a:srgbClr val="40A340"/>
                 </a:solidFill>
                 <a:latin typeface="Verdana"/>
                 <a:cs typeface="Verdana"/>
               </a:rPr>
-              <a:t>thiên</a:t>
-            </a:r>
-            <a:r>
-              <a:rPr lang="en-US" sz="1200" i="1" spc="-50">
+              <a:t>biến</a:t>
+            </a:r>
+            <a:r>
+              <a:rPr lang="en-US" sz="1200" i="1" spc="30" dirty="0">
                 <a:solidFill>
                   <a:srgbClr val="40A340"/>
                 </a:solidFill>
@@ -9421,17 +9461,17 @@
               <a:t> </a:t>
             </a:r>
             <a:r>
-              <a:rPr lang="en-US" sz="1200" i="1" spc="-20">
+              <a:rPr lang="en-US" sz="1200" i="1" dirty="0" err="1">
                 <a:solidFill>
                   <a:srgbClr val="40A340"/>
                 </a:solidFill>
                 <a:latin typeface="Verdana"/>
                 <a:cs typeface="Verdana"/>
               </a:rPr>
-              <a:t>vo</a:t>
-            </a:r>
-            <a:r>
-              <a:rPr lang="en-US" sz="1200" i="1" spc="-45">
+              <a:t>thiên</a:t>
+            </a:r>
+            <a:r>
+              <a:rPr lang="en-US" sz="1200" i="1" spc="-50" dirty="0">
                 <a:solidFill>
                   <a:srgbClr val="40A340"/>
                 </a:solidFill>
@@ -9441,45 +9481,39 @@
               <a:t> </a:t>
             </a:r>
             <a:r>
-              <a:rPr lang="en-US" sz="1200" i="1" spc="80">
+              <a:rPr lang="en-US" sz="1200" i="1" spc="-20" dirty="0" err="1">
                 <a:solidFill>
                   <a:srgbClr val="40A340"/>
                 </a:solidFill>
                 <a:latin typeface="Verdana"/>
                 <a:cs typeface="Verdana"/>
               </a:rPr>
+              <a:t>vo</a:t>
+            </a:r>
+            <a:r>
+              <a:rPr lang="en-US" sz="1200" i="1" spc="-45" dirty="0">
+                <a:solidFill>
+                  <a:srgbClr val="40A340"/>
+                </a:solidFill>
+                <a:latin typeface="Verdana"/>
+                <a:cs typeface="Verdana"/>
+              </a:rPr>
+              <a:t> </a:t>
+            </a:r>
+            <a:r>
+              <a:rPr lang="en-US" sz="1200" i="1" spc="80" dirty="0" err="1">
+                <a:solidFill>
+                  <a:srgbClr val="40A340"/>
+                </a:solidFill>
+                <a:latin typeface="Verdana"/>
+                <a:cs typeface="Verdana"/>
+              </a:rPr>
               <a:t>hạn</a:t>
             </a:r>
-          </a:p>
-          <a:p>
-            <a:pPr marL="12700">
-              <a:lnSpc>
-                <a:spcPct val="100000"/>
-              </a:lnSpc>
-              <a:spcBef>
-                <a:spcPts val="110"/>
-              </a:spcBef>
-            </a:pPr>
-            <a:r>
-              <a:rPr lang="vi-VN"/>
-              <a:t>Học bán giám sát sử dụng một lượng nhỏ dữ liệu gắn nhãn và một lượng lớn dữ liệu không gắn nhãn để huấn luyện mô hình. </a:t>
-            </a:r>
-            <a:endParaRPr lang="en-US"/>
-          </a:p>
-          <a:p>
-            <a:pPr marL="12700">
-              <a:lnSpc>
-                <a:spcPct val="100000"/>
-              </a:lnSpc>
-              <a:spcBef>
-                <a:spcPts val="110"/>
-              </a:spcBef>
-            </a:pPr>
-            <a:r>
-              <a:rPr lang="vi-VN"/>
-              <a:t>Học tăng cường là loại học máy mà trong đó một tác nhân (agent) học cách thực hiện các hành động trong một môi trường để tối ưu hóa một phần thưởng tích lũy.</a:t>
-            </a:r>
-            <a:endParaRPr lang="en-US" sz="1200">
+            <a:endParaRPr lang="en-US" sz="1200" i="1" spc="80" dirty="0">
+              <a:solidFill>
+                <a:srgbClr val="40A340"/>
+              </a:solidFill>
               <a:latin typeface="Verdana"/>
               <a:cs typeface="Verdana"/>
             </a:endParaRPr>
@@ -9493,7 +9527,40 @@
                 <a:spcPts val="110"/>
               </a:spcBef>
             </a:pPr>
-            <a:endParaRPr lang="vi-VN" sz="1200" spc="0">
+            <a:r>
+              <a:rPr lang="vi-VN" dirty="0"/>
+              <a:t>Học bán giám sát sử dụng một lượng nhỏ dữ liệu gắn nhãn và một lượng lớn dữ liệu không gắn nhãn để huấn luyện mô hình. </a:t>
+            </a:r>
+            <a:endParaRPr lang="en-US" dirty="0"/>
+          </a:p>
+          <a:p>
+            <a:pPr marL="12700">
+              <a:lnSpc>
+                <a:spcPct val="100000"/>
+              </a:lnSpc>
+              <a:spcBef>
+                <a:spcPts val="110"/>
+              </a:spcBef>
+            </a:pPr>
+            <a:r>
+              <a:rPr lang="vi-VN" dirty="0"/>
+              <a:t>Học tăng cường là loại học máy mà trong đó một tác nhân (agent) học cách thực hiện các hành động trong một môi trường để tối ưu hóa một phần thưởng tích lũy.</a:t>
+            </a:r>
+            <a:endParaRPr lang="en-US" sz="1200" dirty="0">
+              <a:latin typeface="Verdana"/>
+              <a:cs typeface="Verdana"/>
+            </a:endParaRPr>
+          </a:p>
+          <a:p>
+            <a:pPr marL="12700">
+              <a:lnSpc>
+                <a:spcPct val="100000"/>
+              </a:lnSpc>
+              <a:spcBef>
+                <a:spcPts val="110"/>
+              </a:spcBef>
+            </a:pPr>
+            <a:endParaRPr lang="vi-VN" sz="1200" spc="0" dirty="0">
               <a:latin typeface="Tahoma" panose="020B0604030504040204" pitchFamily="34" charset="0"/>
               <a:ea typeface="Tahoma" panose="020B0604030504040204" pitchFamily="34" charset="0"/>
               <a:cs typeface="Tahoma" panose="020B0604030504040204" pitchFamily="34" charset="0"/>
@@ -10400,7 +10467,7 @@
               <a:defRPr/>
             </a:pPr>
             <a:r>
-              <a:rPr lang="vi-VN" sz="1200">
+              <a:rPr lang="vi-VN" sz="1200" dirty="0">
                 <a:effectLst/>
                 <a:latin typeface="Times New Roman" panose="02020603050405020304" pitchFamily="18" charset="0"/>
                 <a:ea typeface="Times New Roman" panose="02020603050405020304" pitchFamily="18" charset="0"/>
@@ -10408,7 +10475,7 @@
               <a:t>Bộ dữ liệu được tổng hợp bởi trang </a:t>
             </a:r>
             <a:r>
-              <a:rPr lang="vi-VN" sz="1200" u="sng">
+              <a:rPr lang="vi-VN" sz="1200" u="sng" dirty="0">
                 <a:solidFill>
                   <a:srgbClr val="0000FF"/>
                 </a:solidFill>
@@ -10420,7 +10487,7 @@
               <a:t>THE RAMEN RATER</a:t>
             </a:r>
             <a:r>
-              <a:rPr lang="vi-VN" sz="1200" u="sng">
+              <a:rPr lang="vi-VN" sz="1200" u="sng" dirty="0">
                 <a:solidFill>
                   <a:srgbClr val="0000FF"/>
                 </a:solidFill>
@@ -10430,7 +10497,7 @@
               </a:rPr>
               <a:t>. </a:t>
             </a:r>
-            <a:endParaRPr lang="en-US" sz="1200" u="sng">
+            <a:endParaRPr lang="en-US" sz="1200" u="sng" dirty="0">
               <a:solidFill>
                 <a:srgbClr val="0000FF"/>
               </a:solidFill>
@@ -10458,7 +10525,7 @@
               <a:defRPr/>
             </a:pPr>
             <a:r>
-              <a:rPr lang="en-US" sz="1200" kern="1200">
+              <a:rPr lang="en-US" sz="1200" kern="1200" dirty="0">
                 <a:solidFill>
                   <a:schemeClr val="tx1"/>
                 </a:solidFill>
@@ -10470,7 +10537,7 @@
               <a:t> </a:t>
             </a:r>
             <a:r>
-              <a:rPr lang="en-US" sz="1200" kern="1200" err="1">
+              <a:rPr lang="en-US" sz="1200" kern="1200" dirty="0" err="1">
                 <a:solidFill>
                   <a:schemeClr val="tx1"/>
                 </a:solidFill>
@@ -10482,7 +10549,7 @@
               <a:t>Bộ</a:t>
             </a:r>
             <a:r>
-              <a:rPr lang="en-US" sz="1200" kern="1200">
+              <a:rPr lang="en-US" sz="1200" kern="1200" dirty="0">
                 <a:solidFill>
                   <a:schemeClr val="tx1"/>
                 </a:solidFill>
@@ -10494,7 +10561,7 @@
               <a:t> </a:t>
             </a:r>
             <a:r>
-              <a:rPr lang="en-US" sz="1200" kern="1200" err="1">
+              <a:rPr lang="en-US" sz="1200" kern="1200" dirty="0" err="1">
                 <a:solidFill>
                   <a:schemeClr val="tx1"/>
                 </a:solidFill>
@@ -10506,7 +10573,7 @@
               <a:t>dữ</a:t>
             </a:r>
             <a:r>
-              <a:rPr lang="en-US" sz="1200" kern="1200">
+              <a:rPr lang="en-US" sz="1200" kern="1200" dirty="0">
                 <a:solidFill>
                   <a:schemeClr val="tx1"/>
                 </a:solidFill>
@@ -10518,7 +10585,7 @@
               <a:t> bao </a:t>
             </a:r>
             <a:r>
-              <a:rPr lang="en-US" sz="1200" kern="1200" err="1">
+              <a:rPr lang="en-US" sz="1200" kern="1200" dirty="0" err="1">
                 <a:solidFill>
                   <a:schemeClr val="tx1"/>
                 </a:solidFill>
@@ -10530,7 +10597,7 @@
               <a:t>gồm</a:t>
             </a:r>
             <a:r>
-              <a:rPr lang="en-US" sz="1200" kern="1200">
+              <a:rPr lang="en-US" sz="1200" kern="1200" dirty="0">
                 <a:solidFill>
                   <a:schemeClr val="tx1"/>
                 </a:solidFill>
@@ -10542,7 +10609,7 @@
               <a:t> 7 </a:t>
             </a:r>
             <a:r>
-              <a:rPr lang="en-US" sz="1200" kern="1200" err="1">
+              <a:rPr lang="en-US" sz="1200" kern="1200" dirty="0" err="1">
                 <a:solidFill>
                   <a:schemeClr val="tx1"/>
                 </a:solidFill>
@@ -10554,7 +10621,7 @@
               <a:t>thuộc</a:t>
             </a:r>
             <a:r>
-              <a:rPr lang="en-US" sz="1200" kern="1200">
+              <a:rPr lang="en-US" sz="1200" kern="1200" dirty="0">
                 <a:solidFill>
                   <a:schemeClr val="tx1"/>
                 </a:solidFill>
@@ -10566,7 +10633,7 @@
               <a:t> </a:t>
             </a:r>
             <a:r>
-              <a:rPr lang="en-US" sz="1200" kern="1200" err="1">
+              <a:rPr lang="en-US" sz="1200" kern="1200" dirty="0" err="1">
                 <a:solidFill>
                   <a:schemeClr val="tx1"/>
                 </a:solidFill>
@@ -10578,7 +10645,7 @@
               <a:t>tính</a:t>
             </a:r>
             <a:r>
-              <a:rPr lang="en-US" sz="1200" kern="1200">
+              <a:rPr lang="en-US" sz="1200" kern="1200" dirty="0">
                 <a:solidFill>
                   <a:schemeClr val="tx1"/>
                 </a:solidFill>
@@ -10590,7 +10657,7 @@
               <a:t> ban </a:t>
             </a:r>
             <a:r>
-              <a:rPr lang="en-US" sz="1200" kern="1200" err="1">
+              <a:rPr lang="en-US" sz="1200" kern="1200" dirty="0" err="1">
                 <a:solidFill>
                   <a:schemeClr val="tx1"/>
                 </a:solidFill>
@@ -10602,7 +10669,7 @@
               <a:t>đầu</a:t>
             </a:r>
             <a:r>
-              <a:rPr lang="en-US" sz="1200" kern="1200">
+              <a:rPr lang="en-US" sz="1200" kern="1200" dirty="0">
                 <a:solidFill>
                   <a:schemeClr val="tx1"/>
                 </a:solidFill>
@@ -10611,10 +10678,10 @@
                 <a:ea typeface="+mn-ea"/>
                 <a:cs typeface="+mn-cs"/>
               </a:rPr>
-              <a:t>, </a:t>
-            </a:r>
-            <a:r>
-              <a:rPr lang="en-US" sz="1200" kern="1200" err="1">
+              <a:t>. </a:t>
+            </a:r>
+            <a:r>
+              <a:rPr lang="en-US" sz="1200" kern="1200" dirty="0" err="1">
                 <a:solidFill>
                   <a:schemeClr val="tx1"/>
                 </a:solidFill>
@@ -10623,10 +10690,10 @@
                 <a:ea typeface="+mn-ea"/>
                 <a:cs typeface="+mn-cs"/>
               </a:rPr>
-              <a:t>tuy</a:t>
-            </a:r>
-            <a:r>
-              <a:rPr lang="en-US" sz="1200" kern="1200">
+              <a:t>Bộ</a:t>
+            </a:r>
+            <a:r>
+              <a:rPr lang="en-US" sz="1200" kern="1200" dirty="0">
                 <a:solidFill>
                   <a:schemeClr val="tx1"/>
                 </a:solidFill>
@@ -10638,7 +10705,7 @@
               <a:t> </a:t>
             </a:r>
             <a:r>
-              <a:rPr lang="en-US" sz="1200" kern="1200" err="1">
+              <a:rPr lang="en-US" sz="1200" kern="1200" dirty="0" err="1">
                 <a:solidFill>
                   <a:schemeClr val="tx1"/>
                 </a:solidFill>
@@ -10647,10 +10714,10 @@
                 <a:ea typeface="+mn-ea"/>
                 <a:cs typeface="+mn-cs"/>
               </a:rPr>
-              <a:t>nhiên</a:t>
-            </a:r>
-            <a:r>
-              <a:rPr lang="en-US" sz="1200" kern="1200">
+              <a:t>đào</a:t>
+            </a:r>
+            <a:r>
+              <a:rPr lang="en-US" sz="1200" kern="1200" dirty="0">
                 <a:solidFill>
                   <a:schemeClr val="tx1"/>
                 </a:solidFill>
@@ -10662,7 +10729,7 @@
               <a:t> </a:t>
             </a:r>
             <a:r>
-              <a:rPr lang="en-US" sz="1200" kern="1200" err="1">
+              <a:rPr lang="en-US" sz="1200" kern="1200" dirty="0" err="1">
                 <a:solidFill>
                   <a:schemeClr val="tx1"/>
                 </a:solidFill>
@@ -10671,10 +10738,10 @@
                 <a:ea typeface="+mn-ea"/>
                 <a:cs typeface="+mn-cs"/>
               </a:rPr>
-              <a:t>chỉ</a:t>
-            </a:r>
-            <a:r>
-              <a:rPr lang="en-US" sz="1200" kern="1200">
+              <a:t>tạo</a:t>
+            </a:r>
+            <a:r>
+              <a:rPr lang="en-US" sz="1200" kern="1200" dirty="0">
                 <a:solidFill>
                   <a:schemeClr val="tx1"/>
                 </a:solidFill>
@@ -10683,10 +10750,10 @@
                 <a:ea typeface="+mn-ea"/>
                 <a:cs typeface="+mn-cs"/>
               </a:rPr>
-              <a:t> </a:t>
-            </a:r>
-            <a:r>
-              <a:rPr lang="en-US" sz="1200" kern="1200" err="1">
+              <a:t> bao </a:t>
+            </a:r>
+            <a:r>
+              <a:rPr lang="en-US" sz="1200" kern="1200" dirty="0" err="1">
                 <a:solidFill>
                   <a:schemeClr val="tx1"/>
                 </a:solidFill>
@@ -10695,10 +10762,10 @@
                 <a:ea typeface="+mn-ea"/>
                 <a:cs typeface="+mn-cs"/>
               </a:rPr>
-              <a:t>có</a:t>
-            </a:r>
-            <a:r>
-              <a:rPr lang="en-US" sz="1200" kern="1200">
+              <a:t>gồm</a:t>
+            </a:r>
+            <a:r>
+              <a:rPr lang="en-US" sz="1200" kern="1200" dirty="0">
                 <a:solidFill>
                   <a:schemeClr val="tx1"/>
                 </a:solidFill>
@@ -10707,10 +10774,10 @@
                 <a:ea typeface="+mn-ea"/>
                 <a:cs typeface="+mn-cs"/>
               </a:rPr>
-              <a:t> </a:t>
-            </a:r>
-            <a:r>
-              <a:rPr lang="en-US" sz="1200" kern="1200" err="1">
+              <a:t> 4650 </a:t>
+            </a:r>
+            <a:r>
+              <a:rPr lang="en-US" sz="1200" kern="1200" dirty="0" err="1">
                 <a:solidFill>
                   <a:schemeClr val="tx1"/>
                 </a:solidFill>
@@ -10719,10 +10786,10 @@
                 <a:ea typeface="+mn-ea"/>
                 <a:cs typeface="+mn-cs"/>
               </a:rPr>
-              <a:t>cột</a:t>
-            </a:r>
-            <a:r>
-              <a:rPr lang="en-US" sz="1200" kern="1200">
+              <a:t>bản</a:t>
+            </a:r>
+            <a:r>
+              <a:rPr lang="en-US" sz="1200" kern="1200" dirty="0">
                 <a:solidFill>
                   <a:schemeClr val="tx1"/>
                 </a:solidFill>
@@ -10731,10 +10798,10 @@
                 <a:ea typeface="+mn-ea"/>
                 <a:cs typeface="+mn-cs"/>
               </a:rPr>
-              <a:t> stars(rating) </a:t>
-            </a:r>
-            <a:r>
-              <a:rPr lang="en-US" sz="1200" kern="1200" err="1">
+              <a:t> </a:t>
+            </a:r>
+            <a:r>
+              <a:rPr lang="en-US" sz="1200" kern="1200" dirty="0" err="1">
                 <a:solidFill>
                   <a:schemeClr val="tx1"/>
                 </a:solidFill>
@@ -10743,10 +10810,10 @@
                 <a:ea typeface="+mn-ea"/>
                 <a:cs typeface="+mn-cs"/>
               </a:rPr>
-              <a:t>là</a:t>
-            </a:r>
-            <a:r>
-              <a:rPr lang="en-US" sz="1200" kern="1200">
+              <a:t>ghi</a:t>
+            </a:r>
+            <a:r>
+              <a:rPr lang="en-US" sz="1200" kern="1200" baseline="0" dirty="0">
                 <a:solidFill>
                   <a:schemeClr val="tx1"/>
                 </a:solidFill>
@@ -10755,10 +10822,10 @@
                 <a:ea typeface="+mn-ea"/>
                 <a:cs typeface="+mn-cs"/>
               </a:rPr>
-              <a:t> </a:t>
-            </a:r>
-            <a:r>
-              <a:rPr lang="en-US" sz="1200" kern="1200" err="1">
+              <a:t> chia </a:t>
+            </a:r>
+            <a:r>
+              <a:rPr lang="en-US" sz="1200" kern="1200" baseline="0" dirty="0" err="1">
                 <a:solidFill>
                   <a:schemeClr val="tx1"/>
                 </a:solidFill>
@@ -10767,10 +10834,10 @@
                 <a:ea typeface="+mn-ea"/>
                 <a:cs typeface="+mn-cs"/>
               </a:rPr>
-              <a:t>có</a:t>
-            </a:r>
-            <a:r>
-              <a:rPr lang="en-US" sz="1200" kern="1200">
+              <a:t>thành</a:t>
+            </a:r>
+            <a:r>
+              <a:rPr lang="en-US" sz="1200" kern="1200" baseline="0" dirty="0">
                 <a:solidFill>
                   <a:schemeClr val="tx1"/>
                 </a:solidFill>
@@ -10782,7 +10849,7 @@
               <a:t> </a:t>
             </a:r>
             <a:r>
-              <a:rPr lang="en-US" sz="1200" kern="1200" err="1">
+              <a:rPr lang="en-US" sz="1200" kern="1200" baseline="0" dirty="0" err="1">
                 <a:solidFill>
                   <a:schemeClr val="tx1"/>
                 </a:solidFill>
@@ -10791,10 +10858,10 @@
                 <a:ea typeface="+mn-ea"/>
                 <a:cs typeface="+mn-cs"/>
               </a:rPr>
-              <a:t>thể</a:t>
-            </a:r>
-            <a:r>
-              <a:rPr lang="en-US" sz="1200" kern="1200">
+              <a:t>tập</a:t>
+            </a:r>
+            <a:r>
+              <a:rPr lang="en-US" sz="1200" kern="1200" baseline="0" dirty="0">
                 <a:solidFill>
                   <a:schemeClr val="tx1"/>
                 </a:solidFill>
@@ -10803,10 +10870,10 @@
                 <a:ea typeface="+mn-ea"/>
                 <a:cs typeface="+mn-cs"/>
               </a:rPr>
-              <a:t> </a:t>
-            </a:r>
-            <a:r>
-              <a:rPr lang="en-US" sz="1200" kern="1200" err="1">
+              <a:t> train </a:t>
+            </a:r>
+            <a:r>
+              <a:rPr lang="en-US" sz="1200" kern="1200" baseline="0" dirty="0" err="1">
                 <a:solidFill>
                   <a:schemeClr val="tx1"/>
                 </a:solidFill>
@@ -10815,10 +10882,10 @@
                 <a:ea typeface="+mn-ea"/>
                 <a:cs typeface="+mn-cs"/>
               </a:rPr>
-              <a:t>sử</a:t>
-            </a:r>
-            <a:r>
-              <a:rPr lang="en-US" sz="1200" kern="1200">
+              <a:t>với</a:t>
+            </a:r>
+            <a:r>
+              <a:rPr lang="en-US" sz="1200" kern="1200" baseline="0" dirty="0">
                 <a:solidFill>
                   <a:schemeClr val="tx1"/>
                 </a:solidFill>
@@ -10830,7 +10897,7 @@
               <a:t> </a:t>
             </a:r>
             <a:r>
-              <a:rPr lang="en-US" sz="1200" kern="1200" err="1">
+              <a:rPr lang="en-US" sz="1200" kern="1200" baseline="0" dirty="0" err="1">
                 <a:solidFill>
                   <a:schemeClr val="tx1"/>
                 </a:solidFill>
@@ -10839,10 +10906,10 @@
                 <a:ea typeface="+mn-ea"/>
                 <a:cs typeface="+mn-cs"/>
               </a:rPr>
-              <a:t>dụng</a:t>
-            </a:r>
-            <a:r>
-              <a:rPr lang="en-US" sz="1200" kern="1200">
+              <a:t>khoảng</a:t>
+            </a:r>
+            <a:r>
+              <a:rPr lang="en-US" sz="1200" kern="1200" baseline="0" dirty="0">
                 <a:solidFill>
                   <a:schemeClr val="tx1"/>
                 </a:solidFill>
@@ -10851,10 +10918,10 @@
                 <a:ea typeface="+mn-ea"/>
                 <a:cs typeface="+mn-cs"/>
               </a:rPr>
-              <a:t> </a:t>
-            </a:r>
-            <a:r>
-              <a:rPr lang="en-US" sz="1200" kern="1200" err="1">
+              <a:t> 80% </a:t>
+            </a:r>
+            <a:r>
+              <a:rPr lang="en-US" sz="1200" kern="1200" baseline="0" dirty="0" err="1">
                 <a:solidFill>
                   <a:schemeClr val="tx1"/>
                 </a:solidFill>
@@ -10863,10 +10930,10 @@
                 <a:ea typeface="+mn-ea"/>
                 <a:cs typeface="+mn-cs"/>
               </a:rPr>
-              <a:t>để</a:t>
-            </a:r>
-            <a:r>
-              <a:rPr lang="en-US" sz="1200" kern="1200">
+              <a:t>và</a:t>
+            </a:r>
+            <a:r>
+              <a:rPr lang="en-US" sz="1200" kern="1200" baseline="0" dirty="0">
                 <a:solidFill>
                   <a:schemeClr val="tx1"/>
                 </a:solidFill>
@@ -10878,7 +10945,7 @@
               <a:t> </a:t>
             </a:r>
             <a:r>
-              <a:rPr lang="en-US" sz="1200" kern="1200" err="1">
+              <a:rPr lang="en-US" sz="1200" kern="1200" baseline="0" dirty="0" err="1">
                 <a:solidFill>
                   <a:schemeClr val="tx1"/>
                 </a:solidFill>
@@ -10887,10 +10954,10 @@
                 <a:ea typeface="+mn-ea"/>
                 <a:cs typeface="+mn-cs"/>
               </a:rPr>
-              <a:t>huấn</a:t>
-            </a:r>
-            <a:r>
-              <a:rPr lang="en-US" sz="1200" kern="1200">
+              <a:t>tập</a:t>
+            </a:r>
+            <a:r>
+              <a:rPr lang="en-US" sz="1200" kern="1200" baseline="0" dirty="0">
                 <a:solidFill>
                   <a:schemeClr val="tx1"/>
                 </a:solidFill>
@@ -10899,10 +10966,10 @@
                 <a:ea typeface="+mn-ea"/>
                 <a:cs typeface="+mn-cs"/>
               </a:rPr>
-              <a:t> </a:t>
-            </a:r>
-            <a:r>
-              <a:rPr lang="en-US" sz="1200" kern="1200" err="1">
+              <a:t> test</a:t>
+            </a:r>
+            <a:r>
+              <a:rPr lang="en-US" sz="1200" kern="1200" dirty="0">
                 <a:solidFill>
                   <a:schemeClr val="tx1"/>
                 </a:solidFill>
@@ -10911,1423 +10978,11 @@
                 <a:ea typeface="+mn-ea"/>
                 <a:cs typeface="+mn-cs"/>
               </a:rPr>
-              <a:t>luyện</a:t>
-            </a:r>
-            <a:r>
-              <a:rPr lang="en-US" sz="1200" kern="1200">
-                <a:solidFill>
-                  <a:schemeClr val="tx1"/>
-                </a:solidFill>
-                <a:effectLst/>
-                <a:latin typeface="+mn-lt"/>
-                <a:ea typeface="+mn-ea"/>
-                <a:cs typeface="+mn-cs"/>
-              </a:rPr>
-              <a:t> </a:t>
-            </a:r>
-            <a:r>
-              <a:rPr lang="en-US" sz="1200" kern="1200" err="1">
-                <a:solidFill>
-                  <a:schemeClr val="tx1"/>
-                </a:solidFill>
-                <a:effectLst/>
-                <a:latin typeface="+mn-lt"/>
-                <a:ea typeface="+mn-ea"/>
-                <a:cs typeface="+mn-cs"/>
-              </a:rPr>
-              <a:t>mô</a:t>
-            </a:r>
-            <a:r>
-              <a:rPr lang="en-US" sz="1200" kern="1200">
-                <a:solidFill>
-                  <a:schemeClr val="tx1"/>
-                </a:solidFill>
-                <a:effectLst/>
-                <a:latin typeface="+mn-lt"/>
-                <a:ea typeface="+mn-ea"/>
-                <a:cs typeface="+mn-cs"/>
-              </a:rPr>
-              <a:t> </a:t>
-            </a:r>
-            <a:r>
-              <a:rPr lang="en-US" sz="1200" kern="1200" err="1">
-                <a:solidFill>
-                  <a:schemeClr val="tx1"/>
-                </a:solidFill>
-                <a:effectLst/>
-                <a:latin typeface="+mn-lt"/>
-                <a:ea typeface="+mn-ea"/>
-                <a:cs typeface="+mn-cs"/>
-              </a:rPr>
-              <a:t>hình</a:t>
-            </a:r>
-            <a:r>
-              <a:rPr lang="en-US" sz="1200" kern="1200">
-                <a:solidFill>
-                  <a:schemeClr val="tx1"/>
-                </a:solidFill>
-                <a:effectLst/>
-                <a:latin typeface="+mn-lt"/>
-                <a:ea typeface="+mn-ea"/>
-                <a:cs typeface="+mn-cs"/>
-              </a:rPr>
-              <a:t>. </a:t>
-            </a:r>
-            <a:r>
-              <a:rPr lang="en-US" sz="1200" kern="1200" err="1">
-                <a:solidFill>
-                  <a:schemeClr val="tx1"/>
-                </a:solidFill>
-                <a:effectLst/>
-                <a:latin typeface="+mn-lt"/>
-                <a:ea typeface="+mn-ea"/>
-                <a:cs typeface="+mn-cs"/>
-              </a:rPr>
-              <a:t>Từ</a:t>
-            </a:r>
-            <a:r>
-              <a:rPr lang="en-US" sz="1200" kern="1200">
-                <a:solidFill>
-                  <a:schemeClr val="tx1"/>
-                </a:solidFill>
-                <a:effectLst/>
-                <a:latin typeface="+mn-lt"/>
-                <a:ea typeface="+mn-ea"/>
-                <a:cs typeface="+mn-cs"/>
-              </a:rPr>
-              <a:t> </a:t>
-            </a:r>
-            <a:r>
-              <a:rPr lang="en-US" sz="1200" kern="1200" err="1">
-                <a:solidFill>
-                  <a:schemeClr val="tx1"/>
-                </a:solidFill>
-                <a:effectLst/>
-                <a:latin typeface="+mn-lt"/>
-                <a:ea typeface="+mn-ea"/>
-                <a:cs typeface="+mn-cs"/>
-              </a:rPr>
-              <a:t>đó</a:t>
-            </a:r>
-            <a:r>
-              <a:rPr lang="en-US" sz="1200" kern="1200">
-                <a:solidFill>
-                  <a:schemeClr val="tx1"/>
-                </a:solidFill>
-                <a:effectLst/>
-                <a:latin typeface="+mn-lt"/>
-                <a:ea typeface="+mn-ea"/>
-                <a:cs typeface="+mn-cs"/>
-              </a:rPr>
-              <a:t> </a:t>
-            </a:r>
-            <a:r>
-              <a:rPr lang="en-US" sz="1200" kern="1200" err="1">
-                <a:solidFill>
-                  <a:schemeClr val="tx1"/>
-                </a:solidFill>
-                <a:effectLst/>
-                <a:latin typeface="+mn-lt"/>
-                <a:ea typeface="+mn-ea"/>
-                <a:cs typeface="+mn-cs"/>
-              </a:rPr>
-              <a:t>em</a:t>
-            </a:r>
-            <a:r>
-              <a:rPr lang="en-US" sz="1200" kern="1200">
-                <a:solidFill>
-                  <a:schemeClr val="tx1"/>
-                </a:solidFill>
-                <a:effectLst/>
-                <a:latin typeface="+mn-lt"/>
-                <a:ea typeface="+mn-ea"/>
-                <a:cs typeface="+mn-cs"/>
-              </a:rPr>
-              <a:t> </a:t>
-            </a:r>
-            <a:r>
-              <a:rPr lang="en-US" sz="1200" kern="1200" err="1">
-                <a:solidFill>
-                  <a:schemeClr val="tx1"/>
-                </a:solidFill>
-                <a:effectLst/>
-                <a:latin typeface="+mn-lt"/>
-                <a:ea typeface="+mn-ea"/>
-                <a:cs typeface="+mn-cs"/>
-              </a:rPr>
-              <a:t>đã</a:t>
-            </a:r>
-            <a:r>
-              <a:rPr lang="en-US" sz="1200" kern="1200">
-                <a:solidFill>
-                  <a:schemeClr val="tx1"/>
-                </a:solidFill>
-                <a:effectLst/>
-                <a:latin typeface="+mn-lt"/>
-                <a:ea typeface="+mn-ea"/>
-                <a:cs typeface="+mn-cs"/>
-              </a:rPr>
-              <a:t> </a:t>
-            </a:r>
-            <a:r>
-              <a:rPr lang="en-US" sz="1200" kern="1200" err="1">
-                <a:solidFill>
-                  <a:schemeClr val="tx1"/>
-                </a:solidFill>
-                <a:effectLst/>
-                <a:latin typeface="+mn-lt"/>
-                <a:ea typeface="+mn-ea"/>
-                <a:cs typeface="+mn-cs"/>
-              </a:rPr>
-              <a:t>sử</a:t>
-            </a:r>
-            <a:r>
-              <a:rPr lang="en-US" sz="1200" kern="1200">
-                <a:solidFill>
-                  <a:schemeClr val="tx1"/>
-                </a:solidFill>
-                <a:effectLst/>
-                <a:latin typeface="+mn-lt"/>
-                <a:ea typeface="+mn-ea"/>
-                <a:cs typeface="+mn-cs"/>
-              </a:rPr>
-              <a:t> </a:t>
-            </a:r>
-            <a:r>
-              <a:rPr lang="en-US" sz="1200" kern="1200" err="1">
-                <a:solidFill>
-                  <a:schemeClr val="tx1"/>
-                </a:solidFill>
-                <a:effectLst/>
-                <a:latin typeface="+mn-lt"/>
-                <a:ea typeface="+mn-ea"/>
-                <a:cs typeface="+mn-cs"/>
-              </a:rPr>
-              <a:t>dụng</a:t>
-            </a:r>
-            <a:r>
-              <a:rPr lang="en-US" sz="1200" kern="1200">
-                <a:solidFill>
-                  <a:schemeClr val="tx1"/>
-                </a:solidFill>
-                <a:effectLst/>
-                <a:latin typeface="+mn-lt"/>
-                <a:ea typeface="+mn-ea"/>
-                <a:cs typeface="+mn-cs"/>
-              </a:rPr>
-              <a:t> </a:t>
-            </a:r>
-            <a:r>
-              <a:rPr lang="en-US" sz="1200" kern="1200" err="1">
-                <a:solidFill>
-                  <a:schemeClr val="tx1"/>
-                </a:solidFill>
-                <a:effectLst/>
-                <a:latin typeface="+mn-lt"/>
-                <a:ea typeface="+mn-ea"/>
-                <a:cs typeface="+mn-cs"/>
-              </a:rPr>
-              <a:t>việc</a:t>
-            </a:r>
-            <a:r>
-              <a:rPr lang="en-US" sz="1200" kern="1200">
-                <a:solidFill>
-                  <a:schemeClr val="tx1"/>
-                </a:solidFill>
-                <a:effectLst/>
-                <a:latin typeface="+mn-lt"/>
-                <a:ea typeface="+mn-ea"/>
-                <a:cs typeface="+mn-cs"/>
-              </a:rPr>
-              <a:t> </a:t>
-            </a:r>
-            <a:r>
-              <a:rPr lang="en-US" sz="1200" kern="1200" err="1">
-                <a:solidFill>
-                  <a:schemeClr val="tx1"/>
-                </a:solidFill>
-                <a:effectLst/>
-                <a:latin typeface="+mn-lt"/>
-                <a:ea typeface="+mn-ea"/>
-                <a:cs typeface="+mn-cs"/>
-              </a:rPr>
-              <a:t>trích</a:t>
-            </a:r>
-            <a:r>
-              <a:rPr lang="en-US" sz="1200" kern="1200">
-                <a:solidFill>
-                  <a:schemeClr val="tx1"/>
-                </a:solidFill>
-                <a:effectLst/>
-                <a:latin typeface="+mn-lt"/>
-                <a:ea typeface="+mn-ea"/>
-                <a:cs typeface="+mn-cs"/>
-              </a:rPr>
-              <a:t> </a:t>
-            </a:r>
-            <a:r>
-              <a:rPr lang="en-US" sz="1200" kern="1200" err="1">
-                <a:solidFill>
-                  <a:schemeClr val="tx1"/>
-                </a:solidFill>
-                <a:effectLst/>
-                <a:latin typeface="+mn-lt"/>
-                <a:ea typeface="+mn-ea"/>
-                <a:cs typeface="+mn-cs"/>
-              </a:rPr>
-              <a:t>chọn</a:t>
-            </a:r>
-            <a:r>
-              <a:rPr lang="en-US" sz="1200" kern="1200">
-                <a:solidFill>
-                  <a:schemeClr val="tx1"/>
-                </a:solidFill>
-                <a:effectLst/>
-                <a:latin typeface="+mn-lt"/>
-                <a:ea typeface="+mn-ea"/>
-                <a:cs typeface="+mn-cs"/>
-              </a:rPr>
-              <a:t> token </a:t>
-            </a:r>
-            <a:r>
-              <a:rPr lang="en-US" sz="1200" kern="1200" err="1">
-                <a:solidFill>
-                  <a:schemeClr val="tx1"/>
-                </a:solidFill>
-                <a:effectLst/>
-                <a:latin typeface="+mn-lt"/>
-                <a:ea typeface="+mn-ea"/>
-                <a:cs typeface="+mn-cs"/>
-              </a:rPr>
-              <a:t>từ</a:t>
-            </a:r>
-            <a:r>
-              <a:rPr lang="en-US" sz="1200" kern="1200">
-                <a:solidFill>
-                  <a:schemeClr val="tx1"/>
-                </a:solidFill>
-                <a:effectLst/>
-                <a:latin typeface="+mn-lt"/>
-                <a:ea typeface="+mn-ea"/>
-                <a:cs typeface="+mn-cs"/>
-              </a:rPr>
-              <a:t> </a:t>
-            </a:r>
-            <a:r>
-              <a:rPr lang="en-US" sz="1200" kern="1200" err="1">
-                <a:solidFill>
-                  <a:schemeClr val="tx1"/>
-                </a:solidFill>
-                <a:effectLst/>
-                <a:latin typeface="+mn-lt"/>
-                <a:ea typeface="+mn-ea"/>
-                <a:cs typeface="+mn-cs"/>
-              </a:rPr>
-              <a:t>các</a:t>
-            </a:r>
-            <a:r>
-              <a:rPr lang="en-US" sz="1200" kern="1200">
-                <a:solidFill>
-                  <a:schemeClr val="tx1"/>
-                </a:solidFill>
-                <a:effectLst/>
-                <a:latin typeface="+mn-lt"/>
-                <a:ea typeface="+mn-ea"/>
-                <a:cs typeface="+mn-cs"/>
-              </a:rPr>
-              <a:t> </a:t>
-            </a:r>
-            <a:r>
-              <a:rPr lang="en-US" sz="1200" kern="1200" err="1">
-                <a:solidFill>
-                  <a:schemeClr val="tx1"/>
-                </a:solidFill>
-                <a:effectLst/>
-                <a:latin typeface="+mn-lt"/>
-                <a:ea typeface="+mn-ea"/>
-                <a:cs typeface="+mn-cs"/>
-              </a:rPr>
-              <a:t>cột</a:t>
-            </a:r>
-            <a:r>
-              <a:rPr lang="en-US" sz="1200" kern="1200">
-                <a:solidFill>
-                  <a:schemeClr val="tx1"/>
-                </a:solidFill>
-                <a:effectLst/>
-                <a:latin typeface="+mn-lt"/>
-                <a:ea typeface="+mn-ea"/>
-                <a:cs typeface="+mn-cs"/>
-              </a:rPr>
-              <a:t> </a:t>
-            </a:r>
-            <a:r>
-              <a:rPr lang="en-US" sz="1200" kern="1200" err="1">
-                <a:solidFill>
-                  <a:schemeClr val="tx1"/>
-                </a:solidFill>
-                <a:effectLst/>
-                <a:latin typeface="+mn-lt"/>
-                <a:ea typeface="+mn-ea"/>
-                <a:cs typeface="+mn-cs"/>
-              </a:rPr>
-              <a:t>còn</a:t>
-            </a:r>
-            <a:r>
-              <a:rPr lang="en-US" sz="1200" kern="1200">
-                <a:solidFill>
-                  <a:schemeClr val="tx1"/>
-                </a:solidFill>
-                <a:effectLst/>
-                <a:latin typeface="+mn-lt"/>
-                <a:ea typeface="+mn-ea"/>
-                <a:cs typeface="+mn-cs"/>
-              </a:rPr>
-              <a:t> </a:t>
-            </a:r>
-            <a:r>
-              <a:rPr lang="en-US" sz="1200" kern="1200" err="1">
-                <a:solidFill>
-                  <a:schemeClr val="tx1"/>
-                </a:solidFill>
-                <a:effectLst/>
-                <a:latin typeface="+mn-lt"/>
-                <a:ea typeface="+mn-ea"/>
-                <a:cs typeface="+mn-cs"/>
-              </a:rPr>
-              <a:t>lại</a:t>
-            </a:r>
-            <a:endParaRPr lang="en-US" sz="1200" kern="1200">
-              <a:solidFill>
-                <a:schemeClr val="tx1"/>
-              </a:solidFill>
-              <a:effectLst/>
-              <a:latin typeface="+mn-lt"/>
-              <a:ea typeface="+mn-ea"/>
-              <a:cs typeface="+mn-cs"/>
-            </a:endParaRPr>
+              <a:t> 20%</a:t>
+            </a:r>
           </a:p>
           <a:p>
-            <a:pPr marL="0" marR="0" lvl="0" indent="0" algn="l" defTabSz="914400" rtl="0" eaLnBrk="1" fontAlgn="auto" latinLnBrk="0" hangingPunct="1">
-              <a:lnSpc>
-                <a:spcPct val="100000"/>
-              </a:lnSpc>
-              <a:spcBef>
-                <a:spcPts val="0"/>
-              </a:spcBef>
-              <a:spcAft>
-                <a:spcPts val="0"/>
-              </a:spcAft>
-              <a:buClrTx/>
-              <a:buSzTx/>
-              <a:buFontTx/>
-              <a:buNone/>
-              <a:tabLst/>
-              <a:defRPr/>
-            </a:pPr>
-            <a:r>
-              <a:rPr lang="en-US" sz="1200" kern="1200" err="1">
-                <a:solidFill>
-                  <a:schemeClr val="tx1"/>
-                </a:solidFill>
-                <a:effectLst/>
-                <a:latin typeface="+mn-lt"/>
-                <a:ea typeface="+mn-ea"/>
-                <a:cs typeface="+mn-cs"/>
-              </a:rPr>
-              <a:t>Để</a:t>
-            </a:r>
-            <a:r>
-              <a:rPr lang="en-US" sz="1200" kern="1200">
-                <a:solidFill>
-                  <a:schemeClr val="tx1"/>
-                </a:solidFill>
-                <a:effectLst/>
-                <a:latin typeface="+mn-lt"/>
-                <a:ea typeface="+mn-ea"/>
-                <a:cs typeface="+mn-cs"/>
-              </a:rPr>
-              <a:t> </a:t>
-            </a:r>
-            <a:r>
-              <a:rPr lang="en-US" sz="1200" kern="1200" err="1">
-                <a:solidFill>
-                  <a:schemeClr val="tx1"/>
-                </a:solidFill>
-                <a:effectLst/>
-                <a:latin typeface="+mn-lt"/>
-                <a:ea typeface="+mn-ea"/>
-                <a:cs typeface="+mn-cs"/>
-              </a:rPr>
-              <a:t>có</a:t>
-            </a:r>
-            <a:r>
-              <a:rPr lang="en-US" sz="1200" kern="1200">
-                <a:solidFill>
-                  <a:schemeClr val="tx1"/>
-                </a:solidFill>
-                <a:effectLst/>
-                <a:latin typeface="+mn-lt"/>
-                <a:ea typeface="+mn-ea"/>
-                <a:cs typeface="+mn-cs"/>
-              </a:rPr>
-              <a:t> </a:t>
-            </a:r>
-            <a:r>
-              <a:rPr lang="en-US" sz="1200" kern="1200" err="1">
-                <a:solidFill>
-                  <a:schemeClr val="tx1"/>
-                </a:solidFill>
-                <a:effectLst/>
-                <a:latin typeface="+mn-lt"/>
-                <a:ea typeface="+mn-ea"/>
-                <a:cs typeface="+mn-cs"/>
-              </a:rPr>
-              <a:t>thể</a:t>
-            </a:r>
-            <a:r>
-              <a:rPr lang="en-US" sz="1200" kern="1200">
-                <a:solidFill>
-                  <a:schemeClr val="tx1"/>
-                </a:solidFill>
-                <a:effectLst/>
-                <a:latin typeface="+mn-lt"/>
-                <a:ea typeface="+mn-ea"/>
-                <a:cs typeface="+mn-cs"/>
-              </a:rPr>
-              <a:t> </a:t>
-            </a:r>
-            <a:r>
-              <a:rPr lang="en-US" sz="1200" kern="1200" err="1">
-                <a:solidFill>
-                  <a:schemeClr val="tx1"/>
-                </a:solidFill>
-                <a:effectLst/>
-                <a:latin typeface="+mn-lt"/>
-                <a:ea typeface="+mn-ea"/>
-                <a:cs typeface="+mn-cs"/>
-              </a:rPr>
-              <a:t>tạo</a:t>
-            </a:r>
-            <a:r>
-              <a:rPr lang="en-US" sz="1200" kern="1200">
-                <a:solidFill>
-                  <a:schemeClr val="tx1"/>
-                </a:solidFill>
-                <a:effectLst/>
-                <a:latin typeface="+mn-lt"/>
-                <a:ea typeface="+mn-ea"/>
-                <a:cs typeface="+mn-cs"/>
-              </a:rPr>
-              <a:t> ra them </a:t>
-            </a:r>
-            <a:r>
-              <a:rPr lang="en-US" sz="1200" kern="1200" err="1">
-                <a:solidFill>
-                  <a:schemeClr val="tx1"/>
-                </a:solidFill>
-                <a:effectLst/>
-                <a:latin typeface="+mn-lt"/>
-                <a:ea typeface="+mn-ea"/>
-                <a:cs typeface="+mn-cs"/>
-              </a:rPr>
-              <a:t>các</a:t>
-            </a:r>
-            <a:r>
-              <a:rPr lang="en-US" sz="1200" kern="1200">
-                <a:solidFill>
-                  <a:schemeClr val="tx1"/>
-                </a:solidFill>
-                <a:effectLst/>
-                <a:latin typeface="+mn-lt"/>
-                <a:ea typeface="+mn-ea"/>
-                <a:cs typeface="+mn-cs"/>
-              </a:rPr>
-              <a:t> </a:t>
-            </a:r>
-            <a:r>
-              <a:rPr lang="en-US" sz="1200" kern="1200" err="1">
-                <a:solidFill>
-                  <a:schemeClr val="tx1"/>
-                </a:solidFill>
-                <a:effectLst/>
-                <a:latin typeface="+mn-lt"/>
-                <a:ea typeface="+mn-ea"/>
-                <a:cs typeface="+mn-cs"/>
-              </a:rPr>
-              <a:t>trường</a:t>
-            </a:r>
-            <a:r>
-              <a:rPr lang="en-US" sz="1200" kern="1200">
-                <a:solidFill>
-                  <a:schemeClr val="tx1"/>
-                </a:solidFill>
-                <a:effectLst/>
-                <a:latin typeface="+mn-lt"/>
-                <a:ea typeface="+mn-ea"/>
-                <a:cs typeface="+mn-cs"/>
-              </a:rPr>
-              <a:t> </a:t>
-            </a:r>
-            <a:r>
-              <a:rPr lang="en-US" sz="1200" kern="1200" err="1">
-                <a:solidFill>
-                  <a:schemeClr val="tx1"/>
-                </a:solidFill>
-                <a:effectLst/>
-                <a:latin typeface="+mn-lt"/>
-                <a:ea typeface="+mn-ea"/>
-                <a:cs typeface="+mn-cs"/>
-              </a:rPr>
-              <a:t>dữ</a:t>
-            </a:r>
-            <a:r>
-              <a:rPr lang="en-US" sz="1200" kern="1200">
-                <a:solidFill>
-                  <a:schemeClr val="tx1"/>
-                </a:solidFill>
-                <a:effectLst/>
-                <a:latin typeface="+mn-lt"/>
-                <a:ea typeface="+mn-ea"/>
-                <a:cs typeface="+mn-cs"/>
-              </a:rPr>
-              <a:t> </a:t>
-            </a:r>
-            <a:r>
-              <a:rPr lang="en-US" sz="1200" kern="1200" err="1">
-                <a:solidFill>
-                  <a:schemeClr val="tx1"/>
-                </a:solidFill>
-                <a:effectLst/>
-                <a:latin typeface="+mn-lt"/>
-                <a:ea typeface="+mn-ea"/>
-                <a:cs typeface="+mn-cs"/>
-              </a:rPr>
-              <a:t>liệu</a:t>
-            </a:r>
-            <a:r>
-              <a:rPr lang="en-US" sz="1200" kern="1200">
-                <a:solidFill>
-                  <a:schemeClr val="tx1"/>
-                </a:solidFill>
-                <a:effectLst/>
-                <a:latin typeface="+mn-lt"/>
-                <a:ea typeface="+mn-ea"/>
-                <a:cs typeface="+mn-cs"/>
-              </a:rPr>
-              <a:t> </a:t>
-            </a:r>
-            <a:r>
-              <a:rPr lang="en-US" sz="1200" kern="1200" err="1">
-                <a:solidFill>
-                  <a:schemeClr val="tx1"/>
-                </a:solidFill>
-                <a:effectLst/>
-                <a:latin typeface="+mn-lt"/>
-                <a:ea typeface="+mn-ea"/>
-                <a:cs typeface="+mn-cs"/>
-              </a:rPr>
-              <a:t>mới</a:t>
-            </a:r>
-            <a:r>
-              <a:rPr lang="en-US" sz="1200" kern="1200">
-                <a:solidFill>
-                  <a:schemeClr val="tx1"/>
-                </a:solidFill>
-                <a:effectLst/>
-                <a:latin typeface="+mn-lt"/>
-                <a:ea typeface="+mn-ea"/>
-                <a:cs typeface="+mn-cs"/>
-              </a:rPr>
-              <a:t>, </a:t>
-            </a:r>
-            <a:r>
-              <a:rPr lang="en-US" sz="1200" kern="1200" err="1">
-                <a:solidFill>
-                  <a:schemeClr val="tx1"/>
-                </a:solidFill>
-                <a:effectLst/>
-                <a:latin typeface="+mn-lt"/>
-                <a:ea typeface="+mn-ea"/>
-                <a:cs typeface="+mn-cs"/>
-              </a:rPr>
-              <a:t>vừa</a:t>
-            </a:r>
-            <a:r>
-              <a:rPr lang="en-US" sz="1200" kern="1200">
-                <a:solidFill>
-                  <a:schemeClr val="tx1"/>
-                </a:solidFill>
-                <a:effectLst/>
-                <a:latin typeface="+mn-lt"/>
-                <a:ea typeface="+mn-ea"/>
-                <a:cs typeface="+mn-cs"/>
-              </a:rPr>
-              <a:t> </a:t>
-            </a:r>
-            <a:r>
-              <a:rPr lang="en-US" sz="1200" kern="1200" err="1">
-                <a:solidFill>
-                  <a:schemeClr val="tx1"/>
-                </a:solidFill>
-                <a:effectLst/>
-                <a:latin typeface="+mn-lt"/>
-                <a:ea typeface="+mn-ea"/>
-                <a:cs typeface="+mn-cs"/>
-              </a:rPr>
-              <a:t>để</a:t>
-            </a:r>
-            <a:r>
-              <a:rPr lang="en-US" sz="1200" kern="1200">
-                <a:solidFill>
-                  <a:schemeClr val="tx1"/>
-                </a:solidFill>
-                <a:effectLst/>
-                <a:latin typeface="+mn-lt"/>
-                <a:ea typeface="+mn-ea"/>
-                <a:cs typeface="+mn-cs"/>
-              </a:rPr>
-              <a:t> </a:t>
-            </a:r>
-            <a:r>
-              <a:rPr lang="en-US" sz="1200" kern="1200" err="1">
-                <a:solidFill>
-                  <a:schemeClr val="tx1"/>
-                </a:solidFill>
-                <a:effectLst/>
-                <a:latin typeface="+mn-lt"/>
-                <a:ea typeface="+mn-ea"/>
-                <a:cs typeface="+mn-cs"/>
-              </a:rPr>
-              <a:t>khai</a:t>
-            </a:r>
-            <a:r>
-              <a:rPr lang="en-US" sz="1200" kern="1200">
-                <a:solidFill>
-                  <a:schemeClr val="tx1"/>
-                </a:solidFill>
-                <a:effectLst/>
-                <a:latin typeface="+mn-lt"/>
-                <a:ea typeface="+mn-ea"/>
-                <a:cs typeface="+mn-cs"/>
-              </a:rPr>
-              <a:t> </a:t>
-            </a:r>
-            <a:r>
-              <a:rPr lang="en-US" sz="1200" kern="1200" err="1">
-                <a:solidFill>
-                  <a:schemeClr val="tx1"/>
-                </a:solidFill>
-                <a:effectLst/>
-                <a:latin typeface="+mn-lt"/>
-                <a:ea typeface="+mn-ea"/>
-                <a:cs typeface="+mn-cs"/>
-              </a:rPr>
-              <a:t>phá</a:t>
-            </a:r>
-            <a:r>
-              <a:rPr lang="en-US" sz="1200" kern="1200">
-                <a:solidFill>
-                  <a:schemeClr val="tx1"/>
-                </a:solidFill>
-                <a:effectLst/>
-                <a:latin typeface="+mn-lt"/>
-                <a:ea typeface="+mn-ea"/>
-                <a:cs typeface="+mn-cs"/>
-              </a:rPr>
-              <a:t> </a:t>
-            </a:r>
-            <a:r>
-              <a:rPr lang="en-US" sz="1200" kern="1200" err="1">
-                <a:solidFill>
-                  <a:schemeClr val="tx1"/>
-                </a:solidFill>
-                <a:effectLst/>
-                <a:latin typeface="+mn-lt"/>
-                <a:ea typeface="+mn-ea"/>
-                <a:cs typeface="+mn-cs"/>
-              </a:rPr>
-              <a:t>bộ</a:t>
-            </a:r>
-            <a:r>
-              <a:rPr lang="en-US" sz="1200" kern="1200">
-                <a:solidFill>
-                  <a:schemeClr val="tx1"/>
-                </a:solidFill>
-                <a:effectLst/>
-                <a:latin typeface="+mn-lt"/>
-                <a:ea typeface="+mn-ea"/>
-                <a:cs typeface="+mn-cs"/>
-              </a:rPr>
-              <a:t> </a:t>
-            </a:r>
-            <a:r>
-              <a:rPr lang="en-US" sz="1200" kern="1200" err="1">
-                <a:solidFill>
-                  <a:schemeClr val="tx1"/>
-                </a:solidFill>
-                <a:effectLst/>
-                <a:latin typeface="+mn-lt"/>
-                <a:ea typeface="+mn-ea"/>
-                <a:cs typeface="+mn-cs"/>
-              </a:rPr>
-              <a:t>dữ</a:t>
-            </a:r>
-            <a:r>
-              <a:rPr lang="en-US" sz="1200" kern="1200">
-                <a:solidFill>
-                  <a:schemeClr val="tx1"/>
-                </a:solidFill>
-                <a:effectLst/>
-                <a:latin typeface="+mn-lt"/>
-                <a:ea typeface="+mn-ea"/>
-                <a:cs typeface="+mn-cs"/>
-              </a:rPr>
-              <a:t> </a:t>
-            </a:r>
-            <a:r>
-              <a:rPr lang="en-US" sz="1200" kern="1200" err="1">
-                <a:solidFill>
-                  <a:schemeClr val="tx1"/>
-                </a:solidFill>
-                <a:effectLst/>
-                <a:latin typeface="+mn-lt"/>
-                <a:ea typeface="+mn-ea"/>
-                <a:cs typeface="+mn-cs"/>
-              </a:rPr>
-              <a:t>liệu</a:t>
-            </a:r>
-            <a:r>
-              <a:rPr lang="en-US" sz="1200" kern="1200">
-                <a:solidFill>
-                  <a:schemeClr val="tx1"/>
-                </a:solidFill>
-                <a:effectLst/>
-                <a:latin typeface="+mn-lt"/>
-                <a:ea typeface="+mn-ea"/>
-                <a:cs typeface="+mn-cs"/>
-              </a:rPr>
-              <a:t> </a:t>
-            </a:r>
-            <a:r>
-              <a:rPr lang="en-US" sz="1200" kern="1200" err="1">
-                <a:solidFill>
-                  <a:schemeClr val="tx1"/>
-                </a:solidFill>
-                <a:effectLst/>
-                <a:latin typeface="+mn-lt"/>
-                <a:ea typeface="+mn-ea"/>
-                <a:cs typeface="+mn-cs"/>
-              </a:rPr>
-              <a:t>vừa</a:t>
-            </a:r>
-            <a:r>
-              <a:rPr lang="en-US" sz="1200" kern="1200">
-                <a:solidFill>
-                  <a:schemeClr val="tx1"/>
-                </a:solidFill>
-                <a:effectLst/>
-                <a:latin typeface="+mn-lt"/>
-                <a:ea typeface="+mn-ea"/>
-                <a:cs typeface="+mn-cs"/>
-              </a:rPr>
-              <a:t> </a:t>
-            </a:r>
-            <a:r>
-              <a:rPr lang="en-US" sz="1200" kern="1200" err="1">
-                <a:solidFill>
-                  <a:schemeClr val="tx1"/>
-                </a:solidFill>
-                <a:effectLst/>
-                <a:latin typeface="+mn-lt"/>
-                <a:ea typeface="+mn-ea"/>
-                <a:cs typeface="+mn-cs"/>
-              </a:rPr>
-              <a:t>làm</a:t>
-            </a:r>
-            <a:r>
-              <a:rPr lang="en-US" sz="1200" kern="1200">
-                <a:solidFill>
-                  <a:schemeClr val="tx1"/>
-                </a:solidFill>
-                <a:effectLst/>
-                <a:latin typeface="+mn-lt"/>
-                <a:ea typeface="+mn-ea"/>
-                <a:cs typeface="+mn-cs"/>
-              </a:rPr>
-              <a:t> </a:t>
-            </a:r>
-            <a:r>
-              <a:rPr lang="en-US" sz="1200" kern="1200" err="1">
-                <a:solidFill>
-                  <a:schemeClr val="tx1"/>
-                </a:solidFill>
-                <a:effectLst/>
-                <a:latin typeface="+mn-lt"/>
-                <a:ea typeface="+mn-ea"/>
-                <a:cs typeface="+mn-cs"/>
-              </a:rPr>
-              <a:t>bộ</a:t>
-            </a:r>
-            <a:r>
-              <a:rPr lang="en-US" sz="1200" kern="1200">
-                <a:solidFill>
-                  <a:schemeClr val="tx1"/>
-                </a:solidFill>
-                <a:effectLst/>
-                <a:latin typeface="+mn-lt"/>
-                <a:ea typeface="+mn-ea"/>
-                <a:cs typeface="+mn-cs"/>
-              </a:rPr>
-              <a:t> </a:t>
-            </a:r>
-            <a:r>
-              <a:rPr lang="en-US" sz="1200" kern="1200" err="1">
-                <a:solidFill>
-                  <a:schemeClr val="tx1"/>
-                </a:solidFill>
-                <a:effectLst/>
-                <a:latin typeface="+mn-lt"/>
-                <a:ea typeface="+mn-ea"/>
-                <a:cs typeface="+mn-cs"/>
-              </a:rPr>
-              <a:t>dữ</a:t>
-            </a:r>
-            <a:r>
-              <a:rPr lang="en-US" sz="1200" kern="1200">
-                <a:solidFill>
-                  <a:schemeClr val="tx1"/>
-                </a:solidFill>
-                <a:effectLst/>
-                <a:latin typeface="+mn-lt"/>
-                <a:ea typeface="+mn-ea"/>
-                <a:cs typeface="+mn-cs"/>
-              </a:rPr>
-              <a:t> </a:t>
-            </a:r>
-            <a:r>
-              <a:rPr lang="en-US" sz="1200" kern="1200" err="1">
-                <a:solidFill>
-                  <a:schemeClr val="tx1"/>
-                </a:solidFill>
-                <a:effectLst/>
-                <a:latin typeface="+mn-lt"/>
-                <a:ea typeface="+mn-ea"/>
-                <a:cs typeface="+mn-cs"/>
-              </a:rPr>
-              <a:t>liệu</a:t>
-            </a:r>
-            <a:r>
-              <a:rPr lang="en-US" sz="1200" kern="1200">
-                <a:solidFill>
-                  <a:schemeClr val="tx1"/>
-                </a:solidFill>
-                <a:effectLst/>
-                <a:latin typeface="+mn-lt"/>
-                <a:ea typeface="+mn-ea"/>
-                <a:cs typeface="+mn-cs"/>
-              </a:rPr>
-              <a:t> </a:t>
-            </a:r>
-            <a:r>
-              <a:rPr lang="en-US" sz="1200" kern="1200" err="1">
-                <a:solidFill>
-                  <a:schemeClr val="tx1"/>
-                </a:solidFill>
-                <a:effectLst/>
-                <a:latin typeface="+mn-lt"/>
-                <a:ea typeface="+mn-ea"/>
-                <a:cs typeface="+mn-cs"/>
-              </a:rPr>
-              <a:t>trở</a:t>
-            </a:r>
-            <a:r>
-              <a:rPr lang="en-US" sz="1200" kern="1200">
-                <a:solidFill>
-                  <a:schemeClr val="tx1"/>
-                </a:solidFill>
-                <a:effectLst/>
-                <a:latin typeface="+mn-lt"/>
-                <a:ea typeface="+mn-ea"/>
-                <a:cs typeface="+mn-cs"/>
-              </a:rPr>
-              <a:t> </a:t>
-            </a:r>
-            <a:r>
-              <a:rPr lang="en-US" sz="1200" kern="1200" err="1">
-                <a:solidFill>
-                  <a:schemeClr val="tx1"/>
-                </a:solidFill>
-                <a:effectLst/>
-                <a:latin typeface="+mn-lt"/>
-                <a:ea typeface="+mn-ea"/>
-                <a:cs typeface="+mn-cs"/>
-              </a:rPr>
-              <a:t>nên</a:t>
-            </a:r>
-            <a:r>
-              <a:rPr lang="en-US" sz="1200" kern="1200">
-                <a:solidFill>
-                  <a:schemeClr val="tx1"/>
-                </a:solidFill>
-                <a:effectLst/>
-                <a:latin typeface="+mn-lt"/>
-                <a:ea typeface="+mn-ea"/>
-                <a:cs typeface="+mn-cs"/>
-              </a:rPr>
-              <a:t> </a:t>
-            </a:r>
-            <a:r>
-              <a:rPr lang="en-US" sz="1200" kern="1200" err="1">
-                <a:solidFill>
-                  <a:schemeClr val="tx1"/>
-                </a:solidFill>
-                <a:effectLst/>
-                <a:latin typeface="+mn-lt"/>
-                <a:ea typeface="+mn-ea"/>
-                <a:cs typeface="+mn-cs"/>
-              </a:rPr>
-              <a:t>phát</a:t>
-            </a:r>
-            <a:r>
-              <a:rPr lang="en-US" sz="1200" kern="1200">
-                <a:solidFill>
-                  <a:schemeClr val="tx1"/>
-                </a:solidFill>
-                <a:effectLst/>
-                <a:latin typeface="+mn-lt"/>
-                <a:ea typeface="+mn-ea"/>
-                <a:cs typeface="+mn-cs"/>
-              </a:rPr>
-              <a:t> </a:t>
-            </a:r>
-            <a:r>
-              <a:rPr lang="en-US" sz="1200" kern="1200" err="1">
-                <a:solidFill>
-                  <a:schemeClr val="tx1"/>
-                </a:solidFill>
-                <a:effectLst/>
-                <a:latin typeface="+mn-lt"/>
-                <a:ea typeface="+mn-ea"/>
-                <a:cs typeface="+mn-cs"/>
-              </a:rPr>
-              <a:t>triển</a:t>
-            </a:r>
-            <a:r>
-              <a:rPr lang="en-US" sz="1200" kern="1200">
-                <a:solidFill>
-                  <a:schemeClr val="tx1"/>
-                </a:solidFill>
-                <a:effectLst/>
-                <a:latin typeface="+mn-lt"/>
-                <a:ea typeface="+mn-ea"/>
-                <a:cs typeface="+mn-cs"/>
-              </a:rPr>
-              <a:t> </a:t>
-            </a:r>
-            <a:r>
-              <a:rPr lang="en-US" sz="1200" kern="1200" err="1">
-                <a:solidFill>
-                  <a:schemeClr val="tx1"/>
-                </a:solidFill>
-                <a:effectLst/>
-                <a:latin typeface="+mn-lt"/>
-                <a:ea typeface="+mn-ea"/>
-                <a:cs typeface="+mn-cs"/>
-              </a:rPr>
-              <a:t>đầy</a:t>
-            </a:r>
-            <a:r>
-              <a:rPr lang="en-US" sz="1200" kern="1200">
-                <a:solidFill>
-                  <a:schemeClr val="tx1"/>
-                </a:solidFill>
-                <a:effectLst/>
-                <a:latin typeface="+mn-lt"/>
-                <a:ea typeface="+mn-ea"/>
-                <a:cs typeface="+mn-cs"/>
-              </a:rPr>
-              <a:t> </a:t>
-            </a:r>
-            <a:r>
-              <a:rPr lang="en-US" sz="1200" kern="1200" err="1">
-                <a:solidFill>
-                  <a:schemeClr val="tx1"/>
-                </a:solidFill>
-                <a:effectLst/>
-                <a:latin typeface="+mn-lt"/>
-                <a:ea typeface="+mn-ea"/>
-                <a:cs typeface="+mn-cs"/>
-              </a:rPr>
-              <a:t>đủ</a:t>
-            </a:r>
-            <a:r>
-              <a:rPr lang="en-US" sz="1200" kern="1200">
-                <a:solidFill>
-                  <a:schemeClr val="tx1"/>
-                </a:solidFill>
-                <a:effectLst/>
-                <a:latin typeface="+mn-lt"/>
-                <a:ea typeface="+mn-ea"/>
-                <a:cs typeface="+mn-cs"/>
-              </a:rPr>
-              <a:t> </a:t>
-            </a:r>
-            <a:r>
-              <a:rPr lang="en-US" sz="1200" kern="1200" err="1">
-                <a:solidFill>
-                  <a:schemeClr val="tx1"/>
-                </a:solidFill>
-                <a:effectLst/>
-                <a:latin typeface="+mn-lt"/>
-                <a:ea typeface="+mn-ea"/>
-                <a:cs typeface="+mn-cs"/>
-              </a:rPr>
-              <a:t>hơn</a:t>
-            </a:r>
-            <a:endParaRPr lang="en-US" sz="1200" kern="1200">
-              <a:solidFill>
-                <a:schemeClr val="tx1"/>
-              </a:solidFill>
-              <a:effectLst/>
-              <a:latin typeface="+mn-lt"/>
-              <a:ea typeface="+mn-ea"/>
-              <a:cs typeface="+mn-cs"/>
-            </a:endParaRPr>
-          </a:p>
-          <a:p>
-            <a:pPr marL="0" marR="0" lvl="0" indent="0" algn="l" defTabSz="914400" rtl="0" eaLnBrk="1" fontAlgn="auto" latinLnBrk="0" hangingPunct="1">
-              <a:lnSpc>
-                <a:spcPct val="100000"/>
-              </a:lnSpc>
-              <a:spcBef>
-                <a:spcPts val="0"/>
-              </a:spcBef>
-              <a:spcAft>
-                <a:spcPts val="0"/>
-              </a:spcAft>
-              <a:buClrTx/>
-              <a:buSzTx/>
-              <a:buFontTx/>
-              <a:buNone/>
-              <a:tabLst/>
-              <a:defRPr/>
-            </a:pPr>
-            <a:r>
-              <a:rPr lang="en-US" sz="1200" kern="1200">
-                <a:solidFill>
-                  <a:schemeClr val="tx1"/>
-                </a:solidFill>
-                <a:effectLst/>
-                <a:latin typeface="+mn-lt"/>
-                <a:ea typeface="+mn-ea"/>
-                <a:cs typeface="+mn-cs"/>
-              </a:rPr>
-              <a:t> </a:t>
-            </a:r>
-            <a:r>
-              <a:rPr lang="en-US" sz="1200" kern="1200" err="1">
-                <a:solidFill>
-                  <a:schemeClr val="tx1"/>
-                </a:solidFill>
-                <a:effectLst/>
-                <a:latin typeface="+mn-lt"/>
-                <a:ea typeface="+mn-ea"/>
-                <a:cs typeface="+mn-cs"/>
-              </a:rPr>
-              <a:t>Bộ</a:t>
-            </a:r>
-            <a:r>
-              <a:rPr lang="en-US" sz="1200" kern="1200">
-                <a:solidFill>
-                  <a:schemeClr val="tx1"/>
-                </a:solidFill>
-                <a:effectLst/>
-                <a:latin typeface="+mn-lt"/>
-                <a:ea typeface="+mn-ea"/>
-                <a:cs typeface="+mn-cs"/>
-              </a:rPr>
-              <a:t> </a:t>
-            </a:r>
-            <a:r>
-              <a:rPr lang="en-US" sz="1200" kern="1200" err="1">
-                <a:solidFill>
-                  <a:schemeClr val="tx1"/>
-                </a:solidFill>
-                <a:effectLst/>
-                <a:latin typeface="+mn-lt"/>
-                <a:ea typeface="+mn-ea"/>
-                <a:cs typeface="+mn-cs"/>
-              </a:rPr>
-              <a:t>đào</a:t>
-            </a:r>
-            <a:r>
-              <a:rPr lang="en-US" sz="1200" kern="1200">
-                <a:solidFill>
-                  <a:schemeClr val="tx1"/>
-                </a:solidFill>
-                <a:effectLst/>
-                <a:latin typeface="+mn-lt"/>
-                <a:ea typeface="+mn-ea"/>
-                <a:cs typeface="+mn-cs"/>
-              </a:rPr>
-              <a:t> </a:t>
-            </a:r>
-            <a:r>
-              <a:rPr lang="en-US" sz="1200" kern="1200" err="1">
-                <a:solidFill>
-                  <a:schemeClr val="tx1"/>
-                </a:solidFill>
-                <a:effectLst/>
-                <a:latin typeface="+mn-lt"/>
-                <a:ea typeface="+mn-ea"/>
-                <a:cs typeface="+mn-cs"/>
-              </a:rPr>
-              <a:t>tạo</a:t>
-            </a:r>
-            <a:r>
-              <a:rPr lang="en-US" sz="1200" kern="1200">
-                <a:solidFill>
-                  <a:schemeClr val="tx1"/>
-                </a:solidFill>
-                <a:effectLst/>
-                <a:latin typeface="+mn-lt"/>
-                <a:ea typeface="+mn-ea"/>
-                <a:cs typeface="+mn-cs"/>
-              </a:rPr>
-              <a:t> bao </a:t>
-            </a:r>
-            <a:r>
-              <a:rPr lang="en-US" sz="1200" kern="1200" err="1">
-                <a:solidFill>
-                  <a:schemeClr val="tx1"/>
-                </a:solidFill>
-                <a:effectLst/>
-                <a:latin typeface="+mn-lt"/>
-                <a:ea typeface="+mn-ea"/>
-                <a:cs typeface="+mn-cs"/>
-              </a:rPr>
-              <a:t>gồm</a:t>
-            </a:r>
-            <a:r>
-              <a:rPr lang="en-US" sz="1200" kern="1200">
-                <a:solidFill>
-                  <a:schemeClr val="tx1"/>
-                </a:solidFill>
-                <a:effectLst/>
-                <a:latin typeface="+mn-lt"/>
-                <a:ea typeface="+mn-ea"/>
-                <a:cs typeface="+mn-cs"/>
-              </a:rPr>
-              <a:t> 4650 </a:t>
-            </a:r>
-            <a:r>
-              <a:rPr lang="en-US" sz="1200" kern="1200" err="1">
-                <a:solidFill>
-                  <a:schemeClr val="tx1"/>
-                </a:solidFill>
-                <a:effectLst/>
-                <a:latin typeface="+mn-lt"/>
-                <a:ea typeface="+mn-ea"/>
-                <a:cs typeface="+mn-cs"/>
-              </a:rPr>
-              <a:t>bản</a:t>
-            </a:r>
-            <a:r>
-              <a:rPr lang="en-US" sz="1200" kern="1200">
-                <a:solidFill>
-                  <a:schemeClr val="tx1"/>
-                </a:solidFill>
-                <a:effectLst/>
-                <a:latin typeface="+mn-lt"/>
-                <a:ea typeface="+mn-ea"/>
-                <a:cs typeface="+mn-cs"/>
-              </a:rPr>
-              <a:t> </a:t>
-            </a:r>
-            <a:r>
-              <a:rPr lang="en-US" sz="1200" kern="1200" err="1">
-                <a:solidFill>
-                  <a:schemeClr val="tx1"/>
-                </a:solidFill>
-                <a:effectLst/>
-                <a:latin typeface="+mn-lt"/>
-                <a:ea typeface="+mn-ea"/>
-                <a:cs typeface="+mn-cs"/>
-              </a:rPr>
-              <a:t>ghi</a:t>
-            </a:r>
-            <a:r>
-              <a:rPr lang="en-US" sz="1200" kern="1200" baseline="0">
-                <a:solidFill>
-                  <a:schemeClr val="tx1"/>
-                </a:solidFill>
-                <a:effectLst/>
-                <a:latin typeface="+mn-lt"/>
-                <a:ea typeface="+mn-ea"/>
-                <a:cs typeface="+mn-cs"/>
-              </a:rPr>
-              <a:t> chia </a:t>
-            </a:r>
-            <a:r>
-              <a:rPr lang="en-US" sz="1200" kern="1200" baseline="0" err="1">
-                <a:solidFill>
-                  <a:schemeClr val="tx1"/>
-                </a:solidFill>
-                <a:effectLst/>
-                <a:latin typeface="+mn-lt"/>
-                <a:ea typeface="+mn-ea"/>
-                <a:cs typeface="+mn-cs"/>
-              </a:rPr>
-              <a:t>thành</a:t>
-            </a:r>
-            <a:r>
-              <a:rPr lang="en-US" sz="1200" kern="1200" baseline="0">
-                <a:solidFill>
-                  <a:schemeClr val="tx1"/>
-                </a:solidFill>
-                <a:effectLst/>
-                <a:latin typeface="+mn-lt"/>
-                <a:ea typeface="+mn-ea"/>
-                <a:cs typeface="+mn-cs"/>
-              </a:rPr>
-              <a:t> </a:t>
-            </a:r>
-            <a:r>
-              <a:rPr lang="en-US" sz="1200" kern="1200" baseline="0" err="1">
-                <a:solidFill>
-                  <a:schemeClr val="tx1"/>
-                </a:solidFill>
-                <a:effectLst/>
-                <a:latin typeface="+mn-lt"/>
-                <a:ea typeface="+mn-ea"/>
-                <a:cs typeface="+mn-cs"/>
-              </a:rPr>
-              <a:t>tập</a:t>
-            </a:r>
-            <a:r>
-              <a:rPr lang="en-US" sz="1200" kern="1200" baseline="0">
-                <a:solidFill>
-                  <a:schemeClr val="tx1"/>
-                </a:solidFill>
-                <a:effectLst/>
-                <a:latin typeface="+mn-lt"/>
-                <a:ea typeface="+mn-ea"/>
-                <a:cs typeface="+mn-cs"/>
-              </a:rPr>
-              <a:t> train </a:t>
-            </a:r>
-            <a:r>
-              <a:rPr lang="en-US" sz="1200" kern="1200" baseline="0" err="1">
-                <a:solidFill>
-                  <a:schemeClr val="tx1"/>
-                </a:solidFill>
-                <a:effectLst/>
-                <a:latin typeface="+mn-lt"/>
-                <a:ea typeface="+mn-ea"/>
-                <a:cs typeface="+mn-cs"/>
-              </a:rPr>
-              <a:t>với</a:t>
-            </a:r>
-            <a:r>
-              <a:rPr lang="en-US" sz="1200" kern="1200" baseline="0">
-                <a:solidFill>
-                  <a:schemeClr val="tx1"/>
-                </a:solidFill>
-                <a:effectLst/>
-                <a:latin typeface="+mn-lt"/>
-                <a:ea typeface="+mn-ea"/>
-                <a:cs typeface="+mn-cs"/>
-              </a:rPr>
-              <a:t> </a:t>
-            </a:r>
-            <a:r>
-              <a:rPr lang="en-US" sz="1200" kern="1200" baseline="0" err="1">
-                <a:solidFill>
-                  <a:schemeClr val="tx1"/>
-                </a:solidFill>
-                <a:effectLst/>
-                <a:latin typeface="+mn-lt"/>
-                <a:ea typeface="+mn-ea"/>
-                <a:cs typeface="+mn-cs"/>
-              </a:rPr>
-              <a:t>khoảng</a:t>
-            </a:r>
-            <a:r>
-              <a:rPr lang="en-US" sz="1200" kern="1200" baseline="0">
-                <a:solidFill>
-                  <a:schemeClr val="tx1"/>
-                </a:solidFill>
-                <a:effectLst/>
-                <a:latin typeface="+mn-lt"/>
-                <a:ea typeface="+mn-ea"/>
-                <a:cs typeface="+mn-cs"/>
-              </a:rPr>
-              <a:t> 80% </a:t>
-            </a:r>
-            <a:r>
-              <a:rPr lang="en-US" sz="1200" kern="1200" baseline="0" err="1">
-                <a:solidFill>
-                  <a:schemeClr val="tx1"/>
-                </a:solidFill>
-                <a:effectLst/>
-                <a:latin typeface="+mn-lt"/>
-                <a:ea typeface="+mn-ea"/>
-                <a:cs typeface="+mn-cs"/>
-              </a:rPr>
-              <a:t>và</a:t>
-            </a:r>
-            <a:r>
-              <a:rPr lang="en-US" sz="1200" kern="1200" baseline="0">
-                <a:solidFill>
-                  <a:schemeClr val="tx1"/>
-                </a:solidFill>
-                <a:effectLst/>
-                <a:latin typeface="+mn-lt"/>
-                <a:ea typeface="+mn-ea"/>
-                <a:cs typeface="+mn-cs"/>
-              </a:rPr>
-              <a:t> </a:t>
-            </a:r>
-            <a:r>
-              <a:rPr lang="en-US" sz="1200" kern="1200" baseline="0" err="1">
-                <a:solidFill>
-                  <a:schemeClr val="tx1"/>
-                </a:solidFill>
-                <a:effectLst/>
-                <a:latin typeface="+mn-lt"/>
-                <a:ea typeface="+mn-ea"/>
-                <a:cs typeface="+mn-cs"/>
-              </a:rPr>
-              <a:t>tập</a:t>
-            </a:r>
-            <a:r>
-              <a:rPr lang="en-US" sz="1200" kern="1200" baseline="0">
-                <a:solidFill>
-                  <a:schemeClr val="tx1"/>
-                </a:solidFill>
-                <a:effectLst/>
-                <a:latin typeface="+mn-lt"/>
-                <a:ea typeface="+mn-ea"/>
-                <a:cs typeface="+mn-cs"/>
-              </a:rPr>
-              <a:t> test</a:t>
-            </a:r>
-            <a:r>
-              <a:rPr lang="en-US" sz="1200" kern="1200">
-                <a:solidFill>
-                  <a:schemeClr val="tx1"/>
-                </a:solidFill>
-                <a:effectLst/>
-                <a:latin typeface="+mn-lt"/>
-                <a:ea typeface="+mn-ea"/>
-                <a:cs typeface="+mn-cs"/>
-              </a:rPr>
-              <a:t> 20%</a:t>
-            </a:r>
-          </a:p>
-          <a:p>
-            <a:endParaRPr lang="en-US"/>
+            <a:endParaRPr lang="en-US" dirty="0"/>
           </a:p>
         </p:txBody>
       </p:sp>
@@ -17728,7 +16383,7 @@
           <a:p>
             <a:fld id="{631AF7E7-9E02-4B9D-BC83-4C252CC9D70A}" type="datetimeFigureOut">
               <a:rPr lang="en-US" smtClean="0"/>
-              <a:t>7/23/2024</a:t>
+              <a:t>24-Jul-24</a:t>
             </a:fld>
             <a:endParaRPr lang="en-US"/>
           </a:p>
@@ -17908,7 +16563,7 @@
           <a:p>
             <a:fld id="{631AF7E7-9E02-4B9D-BC83-4C252CC9D70A}" type="datetimeFigureOut">
               <a:rPr lang="en-US" smtClean="0"/>
-              <a:t>7/23/2024</a:t>
+              <a:t>24-Jul-24</a:t>
             </a:fld>
             <a:endParaRPr lang="en-US"/>
           </a:p>
@@ -18086,7 +16741,7 @@
           <a:p>
             <a:fld id="{631AF7E7-9E02-4B9D-BC83-4C252CC9D70A}" type="datetimeFigureOut">
               <a:rPr lang="en-US" smtClean="0"/>
-              <a:t>7/23/2024</a:t>
+              <a:t>24-Jul-24</a:t>
             </a:fld>
             <a:endParaRPr lang="en-US"/>
           </a:p>
@@ -18254,7 +16909,7 @@
           <a:p>
             <a:fld id="{631AF7E7-9E02-4B9D-BC83-4C252CC9D70A}" type="datetimeFigureOut">
               <a:rPr lang="en-US" smtClean="0"/>
-              <a:t>7/23/2024</a:t>
+              <a:t>24-Jul-24</a:t>
             </a:fld>
             <a:endParaRPr lang="en-US"/>
           </a:p>
@@ -18499,7 +17154,7 @@
           <a:p>
             <a:fld id="{631AF7E7-9E02-4B9D-BC83-4C252CC9D70A}" type="datetimeFigureOut">
               <a:rPr lang="en-US" smtClean="0"/>
-              <a:t>7/23/2024</a:t>
+              <a:t>24-Jul-24</a:t>
             </a:fld>
             <a:endParaRPr lang="en-US"/>
           </a:p>
@@ -18728,7 +17383,7 @@
           <a:p>
             <a:fld id="{631AF7E7-9E02-4B9D-BC83-4C252CC9D70A}" type="datetimeFigureOut">
               <a:rPr lang="en-US" smtClean="0"/>
-              <a:t>7/23/2024</a:t>
+              <a:t>24-Jul-24</a:t>
             </a:fld>
             <a:endParaRPr lang="en-US"/>
           </a:p>
@@ -19092,7 +17747,7 @@
           <a:p>
             <a:fld id="{631AF7E7-9E02-4B9D-BC83-4C252CC9D70A}" type="datetimeFigureOut">
               <a:rPr lang="en-US" smtClean="0"/>
-              <a:t>7/23/2024</a:t>
+              <a:t>24-Jul-24</a:t>
             </a:fld>
             <a:endParaRPr lang="en-US"/>
           </a:p>
@@ -19209,7 +17864,7 @@
           <a:p>
             <a:fld id="{631AF7E7-9E02-4B9D-BC83-4C252CC9D70A}" type="datetimeFigureOut">
               <a:rPr lang="en-US" smtClean="0"/>
-              <a:t>7/23/2024</a:t>
+              <a:t>24-Jul-24</a:t>
             </a:fld>
             <a:endParaRPr lang="en-US"/>
           </a:p>
@@ -19304,7 +17959,7 @@
           <a:p>
             <a:fld id="{631AF7E7-9E02-4B9D-BC83-4C252CC9D70A}" type="datetimeFigureOut">
               <a:rPr lang="en-US" smtClean="0"/>
-              <a:t>7/23/2024</a:t>
+              <a:t>24-Jul-24</a:t>
             </a:fld>
             <a:endParaRPr lang="en-US"/>
           </a:p>
@@ -19579,7 +18234,7 @@
           <a:p>
             <a:fld id="{631AF7E7-9E02-4B9D-BC83-4C252CC9D70A}" type="datetimeFigureOut">
               <a:rPr lang="en-US" smtClean="0"/>
-              <a:t>7/23/2024</a:t>
+              <a:t>24-Jul-24</a:t>
             </a:fld>
             <a:endParaRPr lang="en-US"/>
           </a:p>
@@ -19831,7 +18486,7 @@
           <a:p>
             <a:fld id="{631AF7E7-9E02-4B9D-BC83-4C252CC9D70A}" type="datetimeFigureOut">
               <a:rPr lang="en-US" smtClean="0"/>
-              <a:t>7/23/2024</a:t>
+              <a:t>24-Jul-24</a:t>
             </a:fld>
             <a:endParaRPr lang="en-US"/>
           </a:p>
@@ -20157,7 +18812,7 @@
           <a:p>
             <a:fld id="{631AF7E7-9E02-4B9D-BC83-4C252CC9D70A}" type="datetimeFigureOut">
               <a:rPr lang="en-US" smtClean="0"/>
-              <a:t>7/23/2024</a:t>
+              <a:t>24-Jul-24</a:t>
             </a:fld>
             <a:endParaRPr lang="en-US"/>
           </a:p>
@@ -27728,8 +26383,8 @@
         </p:nvSpPr>
         <p:spPr>
           <a:xfrm>
-            <a:off x="8378654" y="1223070"/>
-            <a:ext cx="1288473" cy="646331"/>
+            <a:off x="8374632" y="1223070"/>
+            <a:ext cx="1292495" cy="646331"/>
           </a:xfrm>
           <a:prstGeom prst="rect">
             <a:avLst/>
@@ -28279,6 +26934,7 @@
             </a:extLst>
           </p:cNvPr>
           <p:cNvCxnSpPr>
+            <a:cxnSpLocks/>
             <a:stCxn id="22" idx="3"/>
             <a:endCxn id="23" idx="1"/>
           </p:cNvCxnSpPr>
@@ -28287,7 +26943,7 @@
         <p:spPr>
           <a:xfrm flipV="1">
             <a:off x="6096000" y="1546236"/>
-            <a:ext cx="2282654" cy="507832"/>
+            <a:ext cx="2278632" cy="507832"/>
           </a:xfrm>
           <a:prstGeom prst="curvedConnector3">
             <a:avLst/>
@@ -28327,6 +26983,7 @@
             </a:extLst>
           </p:cNvPr>
           <p:cNvCxnSpPr>
+            <a:cxnSpLocks/>
             <a:stCxn id="23" idx="3"/>
             <a:endCxn id="24" idx="1"/>
           </p:cNvCxnSpPr>
@@ -28670,8 +27327,8 @@
         </p:nvSpPr>
         <p:spPr>
           <a:xfrm>
-            <a:off x="8373397" y="4570599"/>
-            <a:ext cx="1288473" cy="646331"/>
+            <a:off x="7397789" y="4570599"/>
+            <a:ext cx="2264082" cy="646331"/>
           </a:xfrm>
           <a:prstGeom prst="rect">
             <a:avLst/>
@@ -28688,7 +27345,7 @@
           <a:p>
             <a:pPr algn="ctr"/>
             <a:r>
-              <a:rPr lang="en-US">
+              <a:rPr lang="en-US" dirty="0">
                 <a:solidFill>
                   <a:schemeClr val="bg1"/>
                 </a:solidFill>
@@ -28696,7 +27353,7 @@
               <a:t>Model </a:t>
             </a:r>
             <a:r>
-              <a:rPr lang="en-US" err="1">
+              <a:rPr lang="en-US" dirty="0" err="1">
                 <a:solidFill>
                   <a:schemeClr val="bg1"/>
                 </a:solidFill>
@@ -28704,7 +27361,7 @@
               <a:t>huấn</a:t>
             </a:r>
             <a:r>
-              <a:rPr lang="en-US">
+              <a:rPr lang="en-US" dirty="0">
                 <a:solidFill>
                   <a:schemeClr val="bg1"/>
                 </a:solidFill>
@@ -28712,18 +27369,32 @@
               <a:t> </a:t>
             </a:r>
             <a:r>
-              <a:rPr lang="en-US" err="1">
+              <a:rPr lang="en-US" dirty="0" err="1">
                 <a:solidFill>
                   <a:schemeClr val="bg1"/>
                 </a:solidFill>
               </a:rPr>
               <a:t>luyện</a:t>
             </a:r>
-            <a:endParaRPr lang="en-US">
-              <a:solidFill>
-                <a:schemeClr val="bg1"/>
-              </a:solidFill>
-            </a:endParaRPr>
+            <a:r>
+              <a:rPr lang="en-US" dirty="0">
+                <a:solidFill>
+                  <a:schemeClr val="bg1"/>
+                </a:solidFill>
+              </a:rPr>
+              <a:t> +</a:t>
+            </a:r>
+          </a:p>
+          <a:p>
+            <a:pPr algn="ctr"/>
+            <a:r>
+              <a:rPr lang="en-US" dirty="0">
+                <a:solidFill>
+                  <a:schemeClr val="bg1"/>
+                </a:solidFill>
+              </a:rPr>
+              <a:t>Grid Search</a:t>
+            </a:r>
           </a:p>
         </p:txBody>
       </p:sp>
@@ -28992,6 +27663,7 @@
             </a:extLst>
           </p:cNvPr>
           <p:cNvCxnSpPr>
+            <a:cxnSpLocks/>
             <a:stCxn id="57" idx="3"/>
             <a:endCxn id="58" idx="1"/>
           </p:cNvCxnSpPr>
@@ -28999,8 +27671,8 @@
         </p:nvCxnSpPr>
         <p:spPr>
           <a:xfrm>
-            <a:off x="9661870" y="4893765"/>
-            <a:ext cx="804039" cy="12700"/>
+            <a:off x="9661871" y="4893765"/>
+            <a:ext cx="804038" cy="12700"/>
           </a:xfrm>
           <a:prstGeom prst="curvedConnector3">
             <a:avLst/>
@@ -29250,48 +27922,6 @@
           </a:p>
         </p:txBody>
       </p:sp>
-      <p:sp>
-        <p:nvSpPr>
-          <p:cNvPr id="70" name="TextBox 69">
-            <a:extLst>
-              <a:ext uri="{FF2B5EF4-FFF2-40B4-BE49-F238E27FC236}">
-                <a16:creationId xmlns:a16="http://schemas.microsoft.com/office/drawing/2014/main" id="{B143D32B-AE97-50BE-DA68-B92D6C7C76FC}"/>
-              </a:ext>
-            </a:extLst>
-          </p:cNvPr>
-          <p:cNvSpPr txBox="1"/>
-          <p:nvPr/>
-        </p:nvSpPr>
-        <p:spPr>
-          <a:xfrm>
-            <a:off x="6824372" y="4570599"/>
-            <a:ext cx="1136073" cy="646331"/>
-          </a:xfrm>
-          <a:prstGeom prst="rect">
-            <a:avLst/>
-          </a:prstGeom>
-          <a:solidFill>
-            <a:schemeClr val="accent1"/>
-          </a:solidFill>
-        </p:spPr>
-        <p:txBody>
-          <a:bodyPr wrap="square" rtlCol="0">
-            <a:spAutoFit/>
-          </a:bodyPr>
-          <a:lstStyle/>
-          <a:p>
-            <a:pPr algn="ctr"/>
-            <a:r>
-              <a:rPr lang="en-US">
-                <a:solidFill>
-                  <a:schemeClr val="bg1"/>
-                </a:solidFill>
-              </a:rPr>
-              <a:t>Grid Search</a:t>
-            </a:r>
-          </a:p>
-        </p:txBody>
-      </p:sp>
       <p:cxnSp>
         <p:nvCxnSpPr>
           <p:cNvPr id="73" name="Connector: Curved 72">
@@ -29302,63 +27932,15 @@
             </a:extLst>
           </p:cNvPr>
           <p:cNvCxnSpPr>
+            <a:cxnSpLocks/>
             <a:stCxn id="56" idx="3"/>
-            <a:endCxn id="70" idx="1"/>
           </p:cNvCxnSpPr>
           <p:nvPr/>
         </p:nvCxnSpPr>
         <p:spPr>
           <a:xfrm flipV="1">
-            <a:off x="6248400" y="4893765"/>
-            <a:ext cx="575972" cy="612936"/>
-          </a:xfrm>
-          <a:prstGeom prst="curvedConnector3">
-            <a:avLst/>
-          </a:prstGeom>
-          <a:ln w="19050" cap="flat" cmpd="sng" algn="ctr">
-            <a:solidFill>
-              <a:srgbClr val="003DA7"/>
-            </a:solidFill>
-            <a:prstDash val="solid"/>
-            <a:round/>
-            <a:headEnd type="none" w="med" len="med"/>
-            <a:tailEnd type="arrow" w="med" len="med"/>
-          </a:ln>
-        </p:spPr>
-        <p:style>
-          <a:lnRef idx="0">
-            <a:scrgbClr r="0" g="0" b="0"/>
-          </a:lnRef>
-          <a:fillRef idx="0">
-            <a:scrgbClr r="0" g="0" b="0"/>
-          </a:fillRef>
-          <a:effectRef idx="0">
-            <a:scrgbClr r="0" g="0" b="0"/>
-          </a:effectRef>
-          <a:fontRef idx="minor">
-            <a:schemeClr val="tx1"/>
-          </a:fontRef>
-        </p:style>
-      </p:cxnSp>
-      <p:cxnSp>
-        <p:nvCxnSpPr>
-          <p:cNvPr id="75" name="Connector: Curved 74">
-            <a:extLst>
-              <a:ext uri="{FF2B5EF4-FFF2-40B4-BE49-F238E27FC236}">
-                <a16:creationId xmlns:a16="http://schemas.microsoft.com/office/drawing/2014/main" id="{EBE37147-8CDC-40B4-1108-A0710C74545F}"/>
-              </a:ext>
-            </a:extLst>
-          </p:cNvPr>
-          <p:cNvCxnSpPr>
-            <a:stCxn id="70" idx="3"/>
-            <a:endCxn id="57" idx="1"/>
-          </p:cNvCxnSpPr>
-          <p:nvPr/>
-        </p:nvCxnSpPr>
-        <p:spPr>
-          <a:xfrm>
-            <a:off x="7960445" y="4893765"/>
-            <a:ext cx="412952" cy="12700"/>
+            <a:off x="6248400" y="4860370"/>
+            <a:ext cx="1136073" cy="646331"/>
           </a:xfrm>
           <a:prstGeom prst="curvedConnector3">
             <a:avLst/>
@@ -29545,6 +28127,7 @@
             </a:extLst>
           </p:cNvPr>
           <p:cNvCxnSpPr>
+            <a:cxnSpLocks/>
             <a:stCxn id="23" idx="2"/>
             <a:endCxn id="82" idx="0"/>
           </p:cNvCxnSpPr>
@@ -29552,8 +28135,8 @@
         </p:nvCxnSpPr>
         <p:spPr>
           <a:xfrm rot="5400000">
-            <a:off x="8443138" y="2447000"/>
-            <a:ext cx="1157352" cy="2154"/>
+            <a:off x="8442133" y="2448006"/>
+            <a:ext cx="1157352" cy="143"/>
           </a:xfrm>
           <a:prstGeom prst="bentConnector3">
             <a:avLst/>
@@ -29691,7 +28274,7 @@
             </a:extLst>
           </p:cNvPr>
           <p:cNvCxnSpPr>
-            <a:stCxn id="57" idx="0"/>
+            <a:cxnSpLocks/>
             <a:endCxn id="82" idx="2"/>
           </p:cNvCxnSpPr>
           <p:nvPr/>
@@ -29739,6 +28322,7 @@
             </a:extLst>
           </p:cNvPr>
           <p:cNvCxnSpPr>
+            <a:cxnSpLocks/>
             <a:stCxn id="57" idx="0"/>
             <a:endCxn id="80" idx="2"/>
           </p:cNvCxnSpPr>
@@ -29746,8 +28330,8 @@
         </p:nvCxnSpPr>
         <p:spPr>
           <a:xfrm rot="16200000" flipV="1">
-            <a:off x="7584592" y="3137556"/>
-            <a:ext cx="1214558" cy="1651527"/>
+            <a:off x="7340690" y="3381458"/>
+            <a:ext cx="1214558" cy="1163723"/>
           </a:xfrm>
           <a:prstGeom prst="bentConnector3">
             <a:avLst/>
@@ -29793,11 +28377,13 @@
         </p:nvCxnSpPr>
         <p:spPr>
           <a:xfrm rot="5400000" flipH="1" flipV="1">
-            <a:off x="8993401" y="3361450"/>
-            <a:ext cx="1233381" cy="1184919"/>
+            <a:off x="9374921" y="3354255"/>
+            <a:ext cx="1214559" cy="1184916"/>
           </a:xfrm>
           <a:prstGeom prst="bentConnector3">
-            <a:avLst/>
+            <a:avLst>
+              <a:gd name="adj1" fmla="val 49999"/>
+            </a:avLst>
           </a:prstGeom>
           <a:ln w="19050" cap="flat" cmpd="sng" algn="ctr">
             <a:solidFill>
@@ -29891,7 +28477,7 @@
 </file>
 
 <file path=ppt/slides/slide16.xml><?xml version="1.0" encoding="utf-8"?>
-<p:sld xmlns:a="http://schemas.openxmlformats.org/drawingml/2006/main" xmlns:r="http://schemas.openxmlformats.org/officeDocument/2006/relationships" xmlns:p="http://schemas.openxmlformats.org/presentationml/2006/main">
+<p:sld xmlns:a="http://schemas.openxmlformats.org/drawingml/2006/main" xmlns:r="http://schemas.openxmlformats.org/officeDocument/2006/relationships" xmlns:p="http://schemas.openxmlformats.org/presentationml/2006/main" show="0">
   <p:cSld>
     <p:spTree>
       <p:nvGrpSpPr>
@@ -30177,8 +28763,8 @@
           </a:p>
         </p:txBody>
       </p:sp>
-      <mc:AlternateContent xmlns:mc="http://schemas.openxmlformats.org/markup-compatibility/2006">
-        <mc:Choice xmlns:a14="http://schemas.microsoft.com/office/drawing/2010/main" Requires="a14">
+      <mc:AlternateContent xmlns:mc="http://schemas.openxmlformats.org/markup-compatibility/2006" xmlns:a14="http://schemas.microsoft.com/office/drawing/2010/main">
+        <mc:Choice Requires="a14">
           <p:sp>
             <p:nvSpPr>
               <p:cNvPr id="4" name="TextBox 3"/>
@@ -30566,7 +29152,7 @@
             </p:txBody>
           </p:sp>
         </mc:Choice>
-        <mc:Fallback>
+        <mc:Fallback xmlns="">
           <p:sp>
             <p:nvSpPr>
               <p:cNvPr id="4" name="TextBox 3"/>
@@ -30881,8 +29467,8 @@
           </a:p>
         </p:txBody>
       </p:sp>
-      <mc:AlternateContent xmlns:mc="http://schemas.openxmlformats.org/markup-compatibility/2006">
-        <mc:Choice xmlns:a14="http://schemas.microsoft.com/office/drawing/2010/main" Requires="a14">
+      <mc:AlternateContent xmlns:mc="http://schemas.openxmlformats.org/markup-compatibility/2006" xmlns:a14="http://schemas.microsoft.com/office/drawing/2010/main">
+        <mc:Choice Requires="a14">
           <p:sp>
             <p:nvSpPr>
               <p:cNvPr id="7" name="TextBox 6">
@@ -31015,7 +29601,7 @@
             </p:txBody>
           </p:sp>
         </mc:Choice>
-        <mc:Fallback>
+        <mc:Fallback xmlns="">
           <p:sp>
             <p:nvSpPr>
               <p:cNvPr id="7" name="TextBox 6">
@@ -31060,8 +29646,8 @@
           </p:sp>
         </mc:Fallback>
       </mc:AlternateContent>
-      <mc:AlternateContent xmlns:mc="http://schemas.openxmlformats.org/markup-compatibility/2006">
-        <mc:Choice xmlns:a14="http://schemas.microsoft.com/office/drawing/2010/main" Requires="a14">
+      <mc:AlternateContent xmlns:mc="http://schemas.openxmlformats.org/markup-compatibility/2006" xmlns:a14="http://schemas.microsoft.com/office/drawing/2010/main">
+        <mc:Choice Requires="a14">
           <p:sp>
             <p:nvSpPr>
               <p:cNvPr id="14" name="TextBox 13">
@@ -31194,7 +29780,7 @@
             </p:txBody>
           </p:sp>
         </mc:Choice>
-        <mc:Fallback>
+        <mc:Fallback xmlns="">
           <p:sp>
             <p:nvSpPr>
               <p:cNvPr id="14" name="TextBox 13">
@@ -31239,8 +29825,8 @@
           </p:sp>
         </mc:Fallback>
       </mc:AlternateContent>
-      <mc:AlternateContent xmlns:mc="http://schemas.openxmlformats.org/markup-compatibility/2006">
-        <mc:Choice xmlns:a14="http://schemas.microsoft.com/office/drawing/2010/main" Requires="a14">
+      <mc:AlternateContent xmlns:mc="http://schemas.openxmlformats.org/markup-compatibility/2006" xmlns:a14="http://schemas.microsoft.com/office/drawing/2010/main">
+        <mc:Choice Requires="a14">
           <p:sp>
             <p:nvSpPr>
               <p:cNvPr id="16" name="TextBox 15">
@@ -31382,7 +29968,7 @@
             </p:txBody>
           </p:sp>
         </mc:Choice>
-        <mc:Fallback>
+        <mc:Fallback xmlns="">
           <p:sp>
             <p:nvSpPr>
               <p:cNvPr id="16" name="TextBox 15">
@@ -32063,12 +30649,12 @@
           <a:p>
             <a:pPr algn="ctr"/>
             <a:r>
-              <a:rPr lang="en-US" sz="2000">
-                <a:latin typeface="Tahoma" panose="020B0604030504040204" pitchFamily="34" charset="0"/>
-                <a:ea typeface="Tahoma" panose="020B0604030504040204" pitchFamily="34" charset="0"/>
-                <a:cs typeface="Tahoma" panose="020B0604030504040204" pitchFamily="34" charset="0"/>
-              </a:rPr>
-              <a:t>3.7</a:t>
+              <a:rPr lang="en-US" sz="2000" dirty="0">
+                <a:latin typeface="Tahoma" panose="020B0604030504040204" pitchFamily="34" charset="0"/>
+                <a:ea typeface="Tahoma" panose="020B0604030504040204" pitchFamily="34" charset="0"/>
+                <a:cs typeface="Tahoma" panose="020B0604030504040204" pitchFamily="34" charset="0"/>
+              </a:rPr>
+              <a:t>3.6</a:t>
             </a:r>
           </a:p>
         </p:txBody>

--- a/Baove.pptx
+++ b/Baove.pptx
@@ -246,7 +246,7 @@
           <a:p>
             <a:fld id="{DCA8F701-77F3-46B8-B345-5A575F65ACD2}" type="datetimeFigureOut">
               <a:rPr lang="en-US" smtClean="0"/>
-              <a:t>7/23/2024</a:t>
+              <a:t>7/25/2024</a:t>
             </a:fld>
             <a:endParaRPr lang="en-US"/>
           </a:p>
@@ -423,7 +423,7 @@
           <a:p>
             <a:fld id="{4910E4C2-DA8C-47A4-B6AA-853960EC141E}" type="datetimeFigureOut">
               <a:rPr lang="en-US" smtClean="0"/>
-              <a:t>7/23/2024</a:t>
+              <a:t>7/25/2024</a:t>
             </a:fld>
             <a:endParaRPr lang="en-US"/>
           </a:p>
@@ -8684,23 +8684,15 @@
                 <a:ea typeface="+mn-ea"/>
                 <a:cs typeface="+mn-cs"/>
               </a:rPr>
-              <a:t>, </a:t>
-            </a:r>
-            <a:r>
-              <a:rPr lang="en-US" sz="1800" err="1">
-                <a:effectLst/>
-                <a:latin typeface="Times New Roman" panose="02020603050405020304" pitchFamily="18" charset="0"/>
-                <a:ea typeface="Times New Roman" panose="02020603050405020304" pitchFamily="18" charset="0"/>
-              </a:rPr>
-              <a:t>Các</a:t>
-            </a:r>
-            <a:r>
-              <a:rPr lang="en-US" sz="1800">
-                <a:effectLst/>
-                <a:latin typeface="Times New Roman" panose="02020603050405020304" pitchFamily="18" charset="0"/>
-                <a:ea typeface="Times New Roman" panose="02020603050405020304" pitchFamily="18" charset="0"/>
-              </a:rPr>
-              <a:t> </a:t>
+              <a:t>, phạm vi nghiên cứu là </a:t>
+            </a:r>
+            <a:r>
+              <a:rPr lang="en-US" sz="1800">
+                <a:effectLst/>
+                <a:latin typeface="Times New Roman" panose="02020603050405020304" pitchFamily="18" charset="0"/>
+                <a:ea typeface="Times New Roman" panose="02020603050405020304" pitchFamily="18" charset="0"/>
+              </a:rPr>
+              <a:t>Các </a:t>
             </a:r>
             <a:r>
               <a:rPr lang="en-US" sz="1800" err="1">
@@ -17728,7 +17720,7 @@
           <a:p>
             <a:fld id="{631AF7E7-9E02-4B9D-BC83-4C252CC9D70A}" type="datetimeFigureOut">
               <a:rPr lang="en-US" smtClean="0"/>
-              <a:t>7/23/2024</a:t>
+              <a:t>7/25/2024</a:t>
             </a:fld>
             <a:endParaRPr lang="en-US"/>
           </a:p>
@@ -17908,7 +17900,7 @@
           <a:p>
             <a:fld id="{631AF7E7-9E02-4B9D-BC83-4C252CC9D70A}" type="datetimeFigureOut">
               <a:rPr lang="en-US" smtClean="0"/>
-              <a:t>7/23/2024</a:t>
+              <a:t>7/25/2024</a:t>
             </a:fld>
             <a:endParaRPr lang="en-US"/>
           </a:p>
@@ -18086,7 +18078,7 @@
           <a:p>
             <a:fld id="{631AF7E7-9E02-4B9D-BC83-4C252CC9D70A}" type="datetimeFigureOut">
               <a:rPr lang="en-US" smtClean="0"/>
-              <a:t>7/23/2024</a:t>
+              <a:t>7/25/2024</a:t>
             </a:fld>
             <a:endParaRPr lang="en-US"/>
           </a:p>
@@ -18254,7 +18246,7 @@
           <a:p>
             <a:fld id="{631AF7E7-9E02-4B9D-BC83-4C252CC9D70A}" type="datetimeFigureOut">
               <a:rPr lang="en-US" smtClean="0"/>
-              <a:t>7/23/2024</a:t>
+              <a:t>7/25/2024</a:t>
             </a:fld>
             <a:endParaRPr lang="en-US"/>
           </a:p>
@@ -18499,7 +18491,7 @@
           <a:p>
             <a:fld id="{631AF7E7-9E02-4B9D-BC83-4C252CC9D70A}" type="datetimeFigureOut">
               <a:rPr lang="en-US" smtClean="0"/>
-              <a:t>7/23/2024</a:t>
+              <a:t>7/25/2024</a:t>
             </a:fld>
             <a:endParaRPr lang="en-US"/>
           </a:p>
@@ -18728,7 +18720,7 @@
           <a:p>
             <a:fld id="{631AF7E7-9E02-4B9D-BC83-4C252CC9D70A}" type="datetimeFigureOut">
               <a:rPr lang="en-US" smtClean="0"/>
-              <a:t>7/23/2024</a:t>
+              <a:t>7/25/2024</a:t>
             </a:fld>
             <a:endParaRPr lang="en-US"/>
           </a:p>
@@ -19092,7 +19084,7 @@
           <a:p>
             <a:fld id="{631AF7E7-9E02-4B9D-BC83-4C252CC9D70A}" type="datetimeFigureOut">
               <a:rPr lang="en-US" smtClean="0"/>
-              <a:t>7/23/2024</a:t>
+              <a:t>7/25/2024</a:t>
             </a:fld>
             <a:endParaRPr lang="en-US"/>
           </a:p>
@@ -19209,7 +19201,7 @@
           <a:p>
             <a:fld id="{631AF7E7-9E02-4B9D-BC83-4C252CC9D70A}" type="datetimeFigureOut">
               <a:rPr lang="en-US" smtClean="0"/>
-              <a:t>7/23/2024</a:t>
+              <a:t>7/25/2024</a:t>
             </a:fld>
             <a:endParaRPr lang="en-US"/>
           </a:p>
@@ -19304,7 +19296,7 @@
           <a:p>
             <a:fld id="{631AF7E7-9E02-4B9D-BC83-4C252CC9D70A}" type="datetimeFigureOut">
               <a:rPr lang="en-US" smtClean="0"/>
-              <a:t>7/23/2024</a:t>
+              <a:t>7/25/2024</a:t>
             </a:fld>
             <a:endParaRPr lang="en-US"/>
           </a:p>
@@ -19579,7 +19571,7 @@
           <a:p>
             <a:fld id="{631AF7E7-9E02-4B9D-BC83-4C252CC9D70A}" type="datetimeFigureOut">
               <a:rPr lang="en-US" smtClean="0"/>
-              <a:t>7/23/2024</a:t>
+              <a:t>7/25/2024</a:t>
             </a:fld>
             <a:endParaRPr lang="en-US"/>
           </a:p>
@@ -19831,7 +19823,7 @@
           <a:p>
             <a:fld id="{631AF7E7-9E02-4B9D-BC83-4C252CC9D70A}" type="datetimeFigureOut">
               <a:rPr lang="en-US" smtClean="0"/>
-              <a:t>7/23/2024</a:t>
+              <a:t>7/25/2024</a:t>
             </a:fld>
             <a:endParaRPr lang="en-US"/>
           </a:p>
@@ -20157,7 +20149,7 @@
           <a:p>
             <a:fld id="{631AF7E7-9E02-4B9D-BC83-4C252CC9D70A}" type="datetimeFigureOut">
               <a:rPr lang="en-US" smtClean="0"/>
-              <a:t>7/23/2024</a:t>
+              <a:t>7/25/2024</a:t>
             </a:fld>
             <a:endParaRPr lang="en-US"/>
           </a:p>
@@ -30177,8 +30169,8 @@
           </a:p>
         </p:txBody>
       </p:sp>
-      <mc:AlternateContent xmlns:mc="http://schemas.openxmlformats.org/markup-compatibility/2006">
-        <mc:Choice xmlns:a14="http://schemas.microsoft.com/office/drawing/2010/main" Requires="a14">
+      <mc:AlternateContent xmlns:mc="http://schemas.openxmlformats.org/markup-compatibility/2006" xmlns:a14="http://schemas.microsoft.com/office/drawing/2010/main">
+        <mc:Choice Requires="a14">
           <p:sp>
             <p:nvSpPr>
               <p:cNvPr id="4" name="TextBox 3"/>
@@ -30566,7 +30558,7 @@
             </p:txBody>
           </p:sp>
         </mc:Choice>
-        <mc:Fallback>
+        <mc:Fallback xmlns="">
           <p:sp>
             <p:nvSpPr>
               <p:cNvPr id="4" name="TextBox 3"/>
@@ -30881,8 +30873,8 @@
           </a:p>
         </p:txBody>
       </p:sp>
-      <mc:AlternateContent xmlns:mc="http://schemas.openxmlformats.org/markup-compatibility/2006">
-        <mc:Choice xmlns:a14="http://schemas.microsoft.com/office/drawing/2010/main" Requires="a14">
+      <mc:AlternateContent xmlns:mc="http://schemas.openxmlformats.org/markup-compatibility/2006" xmlns:a14="http://schemas.microsoft.com/office/drawing/2010/main">
+        <mc:Choice Requires="a14">
           <p:sp>
             <p:nvSpPr>
               <p:cNvPr id="7" name="TextBox 6">
@@ -31015,7 +31007,7 @@
             </p:txBody>
           </p:sp>
         </mc:Choice>
-        <mc:Fallback>
+        <mc:Fallback xmlns="">
           <p:sp>
             <p:nvSpPr>
               <p:cNvPr id="7" name="TextBox 6">
@@ -31060,8 +31052,8 @@
           </p:sp>
         </mc:Fallback>
       </mc:AlternateContent>
-      <mc:AlternateContent xmlns:mc="http://schemas.openxmlformats.org/markup-compatibility/2006">
-        <mc:Choice xmlns:a14="http://schemas.microsoft.com/office/drawing/2010/main" Requires="a14">
+      <mc:AlternateContent xmlns:mc="http://schemas.openxmlformats.org/markup-compatibility/2006" xmlns:a14="http://schemas.microsoft.com/office/drawing/2010/main">
+        <mc:Choice Requires="a14">
           <p:sp>
             <p:nvSpPr>
               <p:cNvPr id="14" name="TextBox 13">
@@ -31194,7 +31186,7 @@
             </p:txBody>
           </p:sp>
         </mc:Choice>
-        <mc:Fallback>
+        <mc:Fallback xmlns="">
           <p:sp>
             <p:nvSpPr>
               <p:cNvPr id="14" name="TextBox 13">
@@ -31239,8 +31231,8 @@
           </p:sp>
         </mc:Fallback>
       </mc:AlternateContent>
-      <mc:AlternateContent xmlns:mc="http://schemas.openxmlformats.org/markup-compatibility/2006">
-        <mc:Choice xmlns:a14="http://schemas.microsoft.com/office/drawing/2010/main" Requires="a14">
+      <mc:AlternateContent xmlns:mc="http://schemas.openxmlformats.org/markup-compatibility/2006" xmlns:a14="http://schemas.microsoft.com/office/drawing/2010/main">
+        <mc:Choice Requires="a14">
           <p:sp>
             <p:nvSpPr>
               <p:cNvPr id="16" name="TextBox 15">
@@ -31382,7 +31374,7 @@
             </p:txBody>
           </p:sp>
         </mc:Choice>
-        <mc:Fallback>
+        <mc:Fallback xmlns="">
           <p:sp>
             <p:nvSpPr>
               <p:cNvPr id="16" name="TextBox 15">
@@ -38897,7 +38889,7 @@
         <p:spPr>
           <a:xfrm>
             <a:off x="494408" y="2116182"/>
-            <a:ext cx="3066366" cy="973209"/>
+            <a:ext cx="2773048" cy="973209"/>
           </a:xfrm>
           <a:prstGeom prst="roundRect">
             <a:avLst/>
@@ -38938,7 +38930,7 @@
               </a:tabLst>
             </a:pPr>
             <a:r>
-              <a:rPr lang="en-US" sz="1600" b="1" spc="-90" dirty="0">
+              <a:rPr lang="en-US" sz="1600" b="1" spc="-90">
                 <a:solidFill>
                   <a:srgbClr val="FFFFFF"/>
                 </a:solidFill>
@@ -38948,7 +38940,7 @@
               <a:t>Unsupervised</a:t>
             </a:r>
             <a:r>
-              <a:rPr lang="en-US" sz="1600" b="1" spc="-105" dirty="0">
+              <a:rPr lang="en-US" sz="1600" b="1" spc="-105">
                 <a:solidFill>
                   <a:srgbClr val="FFFFFF"/>
                 </a:solidFill>
@@ -38958,7 +38950,7 @@
               <a:t> </a:t>
             </a:r>
             <a:r>
-              <a:rPr lang="en-US" sz="1600" b="1" spc="-10" dirty="0">
+              <a:rPr lang="en-US" sz="1600" b="1" spc="-10">
                 <a:solidFill>
                   <a:srgbClr val="FFFFFF"/>
                 </a:solidFill>
@@ -38970,210 +38962,6 @@
             <a:endParaRPr lang="en-US" sz="1600" dirty="0">
               <a:latin typeface="Trebuchet MS"/>
               <a:cs typeface="Trebuchet MS"/>
-            </a:endParaRPr>
-          </a:p>
-          <a:p>
-            <a:pPr marL="12700" marR="283210">
-              <a:lnSpc>
-                <a:spcPts val="2610"/>
-              </a:lnSpc>
-              <a:spcBef>
-                <a:spcPts val="95"/>
-              </a:spcBef>
-            </a:pPr>
-            <a:r>
-              <a:rPr lang="en-US" sz="1600" i="1" spc="114" dirty="0" err="1">
-                <a:solidFill>
-                  <a:srgbClr val="FFFFFF"/>
-                </a:solidFill>
-                <a:latin typeface="Verdana"/>
-                <a:cs typeface="Verdana"/>
-              </a:rPr>
-              <a:t>Huấn</a:t>
-            </a:r>
-            <a:r>
-              <a:rPr lang="en-US" sz="1600" i="1" spc="-190" dirty="0">
-                <a:solidFill>
-                  <a:srgbClr val="FFFFFF"/>
-                </a:solidFill>
-                <a:latin typeface="Verdana"/>
-                <a:cs typeface="Verdana"/>
-              </a:rPr>
-              <a:t> </a:t>
-            </a:r>
-            <a:r>
-              <a:rPr lang="en-US" sz="1600" i="1" dirty="0" err="1">
-                <a:solidFill>
-                  <a:srgbClr val="FFFFFF"/>
-                </a:solidFill>
-                <a:latin typeface="Verdana"/>
-                <a:cs typeface="Verdana"/>
-              </a:rPr>
-              <a:t>luyện</a:t>
-            </a:r>
-            <a:r>
-              <a:rPr lang="en-US" sz="1600" i="1" spc="-185" dirty="0">
-                <a:solidFill>
-                  <a:srgbClr val="FFFFFF"/>
-                </a:solidFill>
-                <a:latin typeface="Verdana"/>
-                <a:cs typeface="Verdana"/>
-              </a:rPr>
-              <a:t> </a:t>
-            </a:r>
-            <a:r>
-              <a:rPr lang="en-US" sz="1600" i="1" spc="-30" dirty="0" err="1">
-                <a:solidFill>
-                  <a:srgbClr val="FFFFFF"/>
-                </a:solidFill>
-                <a:latin typeface="Verdana"/>
-                <a:cs typeface="Verdana"/>
-              </a:rPr>
-              <a:t>với</a:t>
-            </a:r>
-            <a:r>
-              <a:rPr lang="en-US" sz="1600" i="1" spc="-185" dirty="0">
-                <a:solidFill>
-                  <a:srgbClr val="FFFFFF"/>
-                </a:solidFill>
-                <a:latin typeface="Verdana"/>
-                <a:cs typeface="Verdana"/>
-              </a:rPr>
-              <a:t> </a:t>
-            </a:r>
-            <a:r>
-              <a:rPr lang="en-US" sz="1600" i="1" spc="75" dirty="0" err="1">
-                <a:solidFill>
-                  <a:srgbClr val="FFFFFF"/>
-                </a:solidFill>
-                <a:latin typeface="Verdana"/>
-                <a:cs typeface="Verdana"/>
-              </a:rPr>
-              <a:t>dữ</a:t>
-            </a:r>
-            <a:r>
-              <a:rPr lang="en-US" sz="1600" i="1" spc="-185" dirty="0">
-                <a:solidFill>
-                  <a:srgbClr val="FFFFFF"/>
-                </a:solidFill>
-                <a:latin typeface="Verdana"/>
-                <a:cs typeface="Verdana"/>
-              </a:rPr>
-              <a:t> </a:t>
-            </a:r>
-            <a:r>
-              <a:rPr lang="en-US" sz="1600" i="1" dirty="0" err="1">
-                <a:solidFill>
-                  <a:srgbClr val="FFFFFF"/>
-                </a:solidFill>
-                <a:latin typeface="Verdana"/>
-                <a:cs typeface="Verdana"/>
-              </a:rPr>
-              <a:t>liệu</a:t>
-            </a:r>
-            <a:r>
-              <a:rPr lang="en-US" sz="1600" i="1" spc="-185" dirty="0">
-                <a:solidFill>
-                  <a:srgbClr val="FFFFFF"/>
-                </a:solidFill>
-                <a:latin typeface="Verdana"/>
-                <a:cs typeface="Verdana"/>
-              </a:rPr>
-              <a:t> </a:t>
-            </a:r>
-            <a:r>
-              <a:rPr lang="en-US" sz="1600" i="1" spc="70" dirty="0" err="1">
-                <a:solidFill>
-                  <a:srgbClr val="FFFFFF"/>
-                </a:solidFill>
-                <a:latin typeface="Verdana"/>
-                <a:cs typeface="Verdana"/>
-              </a:rPr>
-              <a:t>không</a:t>
-            </a:r>
-            <a:r>
-              <a:rPr lang="en-US" sz="1600" i="1" spc="-185" dirty="0">
-                <a:solidFill>
-                  <a:srgbClr val="FFFFFF"/>
-                </a:solidFill>
-                <a:latin typeface="Verdana"/>
-                <a:cs typeface="Verdana"/>
-              </a:rPr>
-              <a:t> </a:t>
-            </a:r>
-            <a:r>
-              <a:rPr lang="en-US" sz="1600" i="1" spc="-20" dirty="0" err="1">
-                <a:solidFill>
-                  <a:srgbClr val="FFFFFF"/>
-                </a:solidFill>
-                <a:latin typeface="Verdana"/>
-                <a:cs typeface="Verdana"/>
-              </a:rPr>
-              <a:t>biết</a:t>
-            </a:r>
-            <a:r>
-              <a:rPr lang="en-US" sz="1600" i="1" spc="-20" dirty="0">
-                <a:solidFill>
-                  <a:srgbClr val="FFFFFF"/>
-                </a:solidFill>
-                <a:latin typeface="Verdana"/>
-                <a:cs typeface="Verdana"/>
-              </a:rPr>
-              <a:t> </a:t>
-            </a:r>
-            <a:r>
-              <a:rPr lang="en-US" sz="1600" i="1" spc="105" dirty="0" err="1">
-                <a:solidFill>
-                  <a:srgbClr val="FFFFFF"/>
-                </a:solidFill>
-                <a:latin typeface="Verdana"/>
-                <a:cs typeface="Verdana"/>
-              </a:rPr>
-              <a:t>nhãn</a:t>
-            </a:r>
-            <a:r>
-              <a:rPr lang="en-US" sz="1600" i="1" spc="-200" dirty="0">
-                <a:solidFill>
-                  <a:srgbClr val="FFFFFF"/>
-                </a:solidFill>
-                <a:latin typeface="Verdana"/>
-                <a:cs typeface="Verdana"/>
-              </a:rPr>
-              <a:t> </a:t>
-            </a:r>
-            <a:r>
-              <a:rPr lang="en-US" sz="1600" i="1" spc="120" dirty="0" err="1">
-                <a:solidFill>
-                  <a:srgbClr val="FFFFFF"/>
-                </a:solidFill>
-                <a:latin typeface="Verdana"/>
-                <a:cs typeface="Verdana"/>
-              </a:rPr>
-              <a:t>đầu</a:t>
-            </a:r>
-            <a:r>
-              <a:rPr lang="en-US" sz="1600" i="1" spc="-195" dirty="0">
-                <a:solidFill>
-                  <a:srgbClr val="FFFFFF"/>
-                </a:solidFill>
-                <a:latin typeface="Verdana"/>
-                <a:cs typeface="Verdana"/>
-              </a:rPr>
-              <a:t> </a:t>
-            </a:r>
-            <a:r>
-              <a:rPr lang="en-US" sz="1600" i="1" spc="25" dirty="0" err="1">
-                <a:solidFill>
-                  <a:srgbClr val="FFFFFF"/>
-                </a:solidFill>
-                <a:latin typeface="Verdana"/>
-                <a:cs typeface="Verdana"/>
-              </a:rPr>
-              <a:t>ra</a:t>
-            </a:r>
-            <a:endParaRPr lang="en-US" sz="1600" dirty="0">
-              <a:latin typeface="Verdana"/>
-              <a:cs typeface="Verdana"/>
             </a:endParaRPr>
           </a:p>
         </p:txBody>
@@ -39195,7 +38983,7 @@
         <p:spPr>
           <a:xfrm>
             <a:off x="3997725" y="2174566"/>
-            <a:ext cx="2758684" cy="973209"/>
+            <a:ext cx="2517541" cy="973209"/>
           </a:xfrm>
           <a:prstGeom prst="roundRect">
             <a:avLst/>
@@ -39268,180 +39056,6 @@
             <a:endParaRPr lang="en-US" sz="1600">
               <a:latin typeface="Trebuchet MS"/>
               <a:cs typeface="Trebuchet MS"/>
-            </a:endParaRPr>
-          </a:p>
-          <a:p>
-            <a:pPr marL="12700" marR="283210">
-              <a:lnSpc>
-                <a:spcPts val="2610"/>
-              </a:lnSpc>
-              <a:spcBef>
-                <a:spcPts val="95"/>
-              </a:spcBef>
-            </a:pPr>
-            <a:r>
-              <a:rPr lang="en-US" sz="1600" i="1" spc="114">
-                <a:solidFill>
-                  <a:srgbClr val="FFFFFF"/>
-                </a:solidFill>
-                <a:latin typeface="Verdana"/>
-                <a:cs typeface="Verdana"/>
-              </a:rPr>
-              <a:t>Huấn</a:t>
-            </a:r>
-            <a:r>
-              <a:rPr lang="en-US" sz="1600" i="1" spc="-190">
-                <a:solidFill>
-                  <a:srgbClr val="FFFFFF"/>
-                </a:solidFill>
-                <a:latin typeface="Verdana"/>
-                <a:cs typeface="Verdana"/>
-              </a:rPr>
-              <a:t> </a:t>
-            </a:r>
-            <a:r>
-              <a:rPr lang="en-US" sz="1600" i="1">
-                <a:solidFill>
-                  <a:srgbClr val="FFFFFF"/>
-                </a:solidFill>
-                <a:latin typeface="Verdana"/>
-                <a:cs typeface="Verdana"/>
-              </a:rPr>
-              <a:t>luyện</a:t>
-            </a:r>
-            <a:r>
-              <a:rPr lang="en-US" sz="1600" i="1" spc="-185">
-                <a:solidFill>
-                  <a:srgbClr val="FFFFFF"/>
-                </a:solidFill>
-                <a:latin typeface="Verdana"/>
-                <a:cs typeface="Verdana"/>
-              </a:rPr>
-              <a:t> </a:t>
-            </a:r>
-            <a:r>
-              <a:rPr lang="en-US" sz="1600" i="1" spc="-30">
-                <a:solidFill>
-                  <a:srgbClr val="FFFFFF"/>
-                </a:solidFill>
-                <a:latin typeface="Verdana"/>
-                <a:cs typeface="Verdana"/>
-              </a:rPr>
-              <a:t>với</a:t>
-            </a:r>
-            <a:r>
-              <a:rPr lang="en-US" sz="1600" i="1" spc="-185">
-                <a:solidFill>
-                  <a:srgbClr val="FFFFFF"/>
-                </a:solidFill>
-                <a:latin typeface="Verdana"/>
-                <a:cs typeface="Verdana"/>
-              </a:rPr>
-              <a:t> </a:t>
-            </a:r>
-            <a:r>
-              <a:rPr lang="en-US" sz="1600" i="1" spc="75">
-                <a:solidFill>
-                  <a:srgbClr val="FFFFFF"/>
-                </a:solidFill>
-                <a:latin typeface="Verdana"/>
-                <a:cs typeface="Verdana"/>
-              </a:rPr>
-              <a:t>dữ</a:t>
-            </a:r>
-            <a:r>
-              <a:rPr lang="en-US" sz="1600" i="1" spc="-185">
-                <a:solidFill>
-                  <a:srgbClr val="FFFFFF"/>
-                </a:solidFill>
-                <a:latin typeface="Verdana"/>
-                <a:cs typeface="Verdana"/>
-              </a:rPr>
-              <a:t> </a:t>
-            </a:r>
-            <a:r>
-              <a:rPr lang="en-US" sz="1600" i="1">
-                <a:solidFill>
-                  <a:srgbClr val="FFFFFF"/>
-                </a:solidFill>
-                <a:latin typeface="Verdana"/>
-                <a:cs typeface="Verdana"/>
-              </a:rPr>
-              <a:t>liệu</a:t>
-            </a:r>
-            <a:r>
-              <a:rPr lang="en-US" sz="1600" i="1" spc="-185">
-                <a:solidFill>
-                  <a:srgbClr val="FFFFFF"/>
-                </a:solidFill>
-                <a:latin typeface="Verdana"/>
-                <a:cs typeface="Verdana"/>
-              </a:rPr>
-              <a:t> </a:t>
-            </a:r>
-            <a:r>
-              <a:rPr lang="en-US" sz="1600" i="1" spc="-20">
-                <a:solidFill>
-                  <a:srgbClr val="FFFFFF"/>
-                </a:solidFill>
-                <a:latin typeface="Verdana"/>
-                <a:cs typeface="Verdana"/>
-              </a:rPr>
-              <a:t>biết </a:t>
-            </a:r>
-            <a:r>
-              <a:rPr lang="en-US" sz="1600" i="1" spc="105">
-                <a:solidFill>
-                  <a:srgbClr val="FFFFFF"/>
-                </a:solidFill>
-                <a:latin typeface="Verdana"/>
-                <a:cs typeface="Verdana"/>
-              </a:rPr>
-              <a:t>nhãn</a:t>
-            </a:r>
-            <a:r>
-              <a:rPr lang="en-US" sz="1600" i="1" spc="-200">
-                <a:solidFill>
-                  <a:srgbClr val="FFFFFF"/>
-                </a:solidFill>
-                <a:latin typeface="Verdana"/>
-                <a:cs typeface="Verdana"/>
-              </a:rPr>
-              <a:t> </a:t>
-            </a:r>
-            <a:r>
-              <a:rPr lang="en-US" sz="1600" i="1" spc="120">
-                <a:solidFill>
-                  <a:srgbClr val="FFFFFF"/>
-                </a:solidFill>
-                <a:latin typeface="Verdana"/>
-                <a:cs typeface="Verdana"/>
-              </a:rPr>
-              <a:t>đầu</a:t>
-            </a:r>
-            <a:r>
-              <a:rPr lang="en-US" sz="1600" i="1" spc="-195">
-                <a:solidFill>
-                  <a:srgbClr val="FFFFFF"/>
-                </a:solidFill>
-                <a:latin typeface="Verdana"/>
-                <a:cs typeface="Verdana"/>
-              </a:rPr>
-              <a:t> </a:t>
-            </a:r>
-            <a:r>
-              <a:rPr lang="en-US" sz="1600" i="1" spc="25">
-                <a:solidFill>
-                  <a:srgbClr val="FFFFFF"/>
-                </a:solidFill>
-                <a:latin typeface="Verdana"/>
-                <a:cs typeface="Verdana"/>
-              </a:rPr>
-              <a:t>ra</a:t>
-            </a:r>
-            <a:endParaRPr lang="en-US" sz="1600">
-              <a:latin typeface="Verdana"/>
-              <a:cs typeface="Verdana"/>
             </a:endParaRPr>
           </a:p>
         </p:txBody>
@@ -41002,8 +40616,8 @@
         </p:nvCxnSpPr>
         <p:spPr>
           <a:xfrm flipH="1">
-            <a:off x="5377067" y="1755771"/>
-            <a:ext cx="233607" cy="418795"/>
+            <a:off x="5256496" y="1755771"/>
+            <a:ext cx="354178" cy="418795"/>
           </a:xfrm>
           <a:prstGeom prst="straightConnector1">
             <a:avLst/>
@@ -41175,7 +40789,9 @@
             <a:avLst/>
           </a:prstGeom>
           <a:solidFill>
-            <a:srgbClr val="FFC000"/>
+            <a:schemeClr val="accent2">
+              <a:lumMod val="75000"/>
+            </a:schemeClr>
           </a:solidFill>
         </p:spPr>
         <p:style>
@@ -41200,16 +40816,25 @@
           <a:p>
             <a:pPr algn="ctr"/>
             <a:r>
-              <a:rPr lang="en-US" b="0" i="0">
+              <a:rPr lang="en-US" b="1">
                 <a:solidFill>
                   <a:schemeClr val="bg1"/>
                 </a:solidFill>
-                <a:effectLst/>
-                <a:latin typeface="Tahoma" panose="020B0604030504040204" pitchFamily="34" charset="0"/>
-              </a:rPr>
-              <a:t>semi-supervised learning</a:t>
-            </a:r>
-            <a:endParaRPr lang="en-US">
+                <a:latin typeface="Tahoma" panose="020B0604030504040204" pitchFamily="34" charset="0"/>
+              </a:rPr>
+              <a:t>S</a:t>
+            </a:r>
+            <a:r>
+              <a:rPr lang="en-US" b="1" i="0">
+                <a:solidFill>
+                  <a:schemeClr val="bg1"/>
+                </a:solidFill>
+                <a:effectLst/>
+                <a:latin typeface="Tahoma" panose="020B0604030504040204" pitchFamily="34" charset="0"/>
+              </a:rPr>
+              <a:t>emi-supervised learning</a:t>
+            </a:r>
+            <a:endParaRPr lang="en-US" b="1">
               <a:solidFill>
                 <a:schemeClr val="bg1"/>
               </a:solidFill>
@@ -41425,16 +41050,16 @@
           <a:p>
             <a:pPr algn="ctr"/>
             <a:r>
-              <a:rPr lang="en-US" b="0" i="0">
+              <a:rPr lang="en-US" b="1" i="0">
                 <a:solidFill>
                   <a:schemeClr val="bg1"/>
                 </a:solidFill>
                 <a:effectLst/>
                 <a:latin typeface="Tahoma" panose="020B0604030504040204" pitchFamily="34" charset="0"/>
               </a:rPr>
-              <a:t>semi-supervised learning</a:t>
-            </a:r>
-            <a:endParaRPr lang="en-US">
+              <a:t>Deep Learning</a:t>
+            </a:r>
+            <a:endParaRPr lang="en-US" b="1">
               <a:solidFill>
                 <a:schemeClr val="bg1"/>
               </a:solidFill>

--- a/Baove.pptx
+++ b/Baove.pptx
@@ -28662,8 +28662,8 @@
         </p:nvSpPr>
         <p:spPr>
           <a:xfrm>
-            <a:off x="8373397" y="4570599"/>
-            <a:ext cx="1288473" cy="646331"/>
+            <a:off x="7528784" y="4583335"/>
+            <a:ext cx="2257284" cy="646331"/>
           </a:xfrm>
           <a:prstGeom prst="rect">
             <a:avLst/>
@@ -28701,21 +28701,8 @@
                   <a:schemeClr val="bg1"/>
                 </a:solidFill>
               </a:rPr>
-              <a:t> </a:t>
-            </a:r>
-            <a:r>
-              <a:rPr lang="en-US" err="1">
-                <a:solidFill>
-                  <a:schemeClr val="bg1"/>
-                </a:solidFill>
-              </a:rPr>
-              <a:t>luyện</a:t>
-            </a:r>
-            <a:endParaRPr lang="en-US">
-              <a:solidFill>
-                <a:schemeClr val="bg1"/>
-              </a:solidFill>
-            </a:endParaRPr>
+              <a:t> luyện + Grid Search</a:t>
+            </a:r>
           </a:p>
         </p:txBody>
       </p:sp>
@@ -28984,15 +28971,16 @@
             </a:extLst>
           </p:cNvPr>
           <p:cNvCxnSpPr>
+            <a:cxnSpLocks/>
             <a:stCxn id="57" idx="3"/>
             <a:endCxn id="58" idx="1"/>
           </p:cNvCxnSpPr>
           <p:nvPr/>
         </p:nvCxnSpPr>
         <p:spPr>
-          <a:xfrm>
-            <a:off x="9661870" y="4893765"/>
-            <a:ext cx="804039" cy="12700"/>
+          <a:xfrm flipV="1">
+            <a:off x="9786068" y="4893765"/>
+            <a:ext cx="679841" cy="89230"/>
           </a:xfrm>
           <a:prstGeom prst="curvedConnector3">
             <a:avLst/>
@@ -29130,8 +29118,8 @@
         </p:nvSpPr>
         <p:spPr>
           <a:xfrm flipV="1">
-            <a:off x="9672381" y="4861024"/>
-            <a:ext cx="720000" cy="45719"/>
+            <a:off x="9786067" y="4861023"/>
+            <a:ext cx="606313" cy="45719"/>
           </a:xfrm>
           <a:custGeom>
             <a:avLst/>
@@ -29242,48 +29230,6 @@
           </a:p>
         </p:txBody>
       </p:sp>
-      <p:sp>
-        <p:nvSpPr>
-          <p:cNvPr id="70" name="TextBox 69">
-            <a:extLst>
-              <a:ext uri="{FF2B5EF4-FFF2-40B4-BE49-F238E27FC236}">
-                <a16:creationId xmlns:a16="http://schemas.microsoft.com/office/drawing/2014/main" id="{B143D32B-AE97-50BE-DA68-B92D6C7C76FC}"/>
-              </a:ext>
-            </a:extLst>
-          </p:cNvPr>
-          <p:cNvSpPr txBox="1"/>
-          <p:nvPr/>
-        </p:nvSpPr>
-        <p:spPr>
-          <a:xfrm>
-            <a:off x="6824372" y="4570599"/>
-            <a:ext cx="1136073" cy="646331"/>
-          </a:xfrm>
-          <a:prstGeom prst="rect">
-            <a:avLst/>
-          </a:prstGeom>
-          <a:solidFill>
-            <a:schemeClr val="accent1"/>
-          </a:solidFill>
-        </p:spPr>
-        <p:txBody>
-          <a:bodyPr wrap="square" rtlCol="0">
-            <a:spAutoFit/>
-          </a:bodyPr>
-          <a:lstStyle/>
-          <a:p>
-            <a:pPr algn="ctr"/>
-            <a:r>
-              <a:rPr lang="en-US">
-                <a:solidFill>
-                  <a:schemeClr val="bg1"/>
-                </a:solidFill>
-              </a:rPr>
-              <a:t>Grid Search</a:t>
-            </a:r>
-          </a:p>
-        </p:txBody>
-      </p:sp>
       <p:cxnSp>
         <p:nvCxnSpPr>
           <p:cNvPr id="73" name="Connector: Curved 72">
@@ -29294,63 +29240,16 @@
             </a:extLst>
           </p:cNvPr>
           <p:cNvCxnSpPr>
+            <a:cxnSpLocks/>
             <a:stCxn id="56" idx="3"/>
-            <a:endCxn id="70" idx="1"/>
+            <a:endCxn id="57" idx="1"/>
           </p:cNvCxnSpPr>
           <p:nvPr/>
         </p:nvCxnSpPr>
         <p:spPr>
           <a:xfrm flipV="1">
-            <a:off x="6248400" y="4893765"/>
-            <a:ext cx="575972" cy="612936"/>
-          </a:xfrm>
-          <a:prstGeom prst="curvedConnector3">
-            <a:avLst/>
-          </a:prstGeom>
-          <a:ln w="19050" cap="flat" cmpd="sng" algn="ctr">
-            <a:solidFill>
-              <a:srgbClr val="003DA7"/>
-            </a:solidFill>
-            <a:prstDash val="solid"/>
-            <a:round/>
-            <a:headEnd type="none" w="med" len="med"/>
-            <a:tailEnd type="arrow" w="med" len="med"/>
-          </a:ln>
-        </p:spPr>
-        <p:style>
-          <a:lnRef idx="0">
-            <a:scrgbClr r="0" g="0" b="0"/>
-          </a:lnRef>
-          <a:fillRef idx="0">
-            <a:scrgbClr r="0" g="0" b="0"/>
-          </a:fillRef>
-          <a:effectRef idx="0">
-            <a:scrgbClr r="0" g="0" b="0"/>
-          </a:effectRef>
-          <a:fontRef idx="minor">
-            <a:schemeClr val="tx1"/>
-          </a:fontRef>
-        </p:style>
-      </p:cxnSp>
-      <p:cxnSp>
-        <p:nvCxnSpPr>
-          <p:cNvPr id="75" name="Connector: Curved 74">
-            <a:extLst>
-              <a:ext uri="{FF2B5EF4-FFF2-40B4-BE49-F238E27FC236}">
-                <a16:creationId xmlns:a16="http://schemas.microsoft.com/office/drawing/2014/main" id="{EBE37147-8CDC-40B4-1108-A0710C74545F}"/>
-              </a:ext>
-            </a:extLst>
-          </p:cNvPr>
-          <p:cNvCxnSpPr>
-            <a:stCxn id="70" idx="3"/>
-            <a:endCxn id="57" idx="1"/>
-          </p:cNvCxnSpPr>
-          <p:nvPr/>
-        </p:nvCxnSpPr>
-        <p:spPr>
-          <a:xfrm>
-            <a:off x="7960445" y="4893765"/>
-            <a:ext cx="412952" cy="12700"/>
+            <a:off x="6248400" y="4982995"/>
+            <a:ext cx="1280384" cy="523706"/>
           </a:xfrm>
           <a:prstGeom prst="curvedConnector3">
             <a:avLst/>
@@ -29683,15 +29582,15 @@
             </a:extLst>
           </p:cNvPr>
           <p:cNvCxnSpPr>
-            <a:stCxn id="57" idx="0"/>
+            <a:cxnSpLocks/>
             <a:endCxn id="82" idx="2"/>
           </p:cNvCxnSpPr>
           <p:nvPr/>
         </p:nvCxnSpPr>
         <p:spPr>
           <a:xfrm rot="5400000" flipH="1" flipV="1">
-            <a:off x="8416539" y="3966402"/>
-            <a:ext cx="1205292" cy="3103"/>
+            <a:off x="8422724" y="3963320"/>
+            <a:ext cx="1196026" cy="12700"/>
           </a:xfrm>
           <a:prstGeom prst="bentConnector3">
             <a:avLst/>
@@ -29731,15 +29630,15 @@
             </a:extLst>
           </p:cNvPr>
           <p:cNvCxnSpPr>
-            <a:stCxn id="57" idx="0"/>
+            <a:cxnSpLocks/>
             <a:endCxn id="80" idx="2"/>
           </p:cNvCxnSpPr>
           <p:nvPr/>
         </p:nvCxnSpPr>
         <p:spPr>
           <a:xfrm rot="16200000" flipV="1">
-            <a:off x="7584592" y="3137556"/>
-            <a:ext cx="1214558" cy="1651527"/>
+            <a:off x="7347022" y="3375126"/>
+            <a:ext cx="1205292" cy="1167122"/>
           </a:xfrm>
           <a:prstGeom prst="bentConnector3">
             <a:avLst/>
@@ -29785,8 +29684,8 @@
         </p:nvCxnSpPr>
         <p:spPr>
           <a:xfrm rot="5400000" flipH="1" flipV="1">
-            <a:off x="8993401" y="3361450"/>
-            <a:ext cx="1233381" cy="1184919"/>
+            <a:off x="9161943" y="3573789"/>
+            <a:ext cx="1277176" cy="804037"/>
           </a:xfrm>
           <a:prstGeom prst="bentConnector3">
             <a:avLst/>
@@ -29883,7 +29782,7 @@
 </file>
 
 <file path=ppt/slides/slide16.xml><?xml version="1.0" encoding="utf-8"?>
-<p:sld xmlns:a="http://schemas.openxmlformats.org/drawingml/2006/main" xmlns:r="http://schemas.openxmlformats.org/officeDocument/2006/relationships" xmlns:p="http://schemas.openxmlformats.org/presentationml/2006/main">
+<p:sld xmlns:a="http://schemas.openxmlformats.org/drawingml/2006/main" xmlns:r="http://schemas.openxmlformats.org/officeDocument/2006/relationships" xmlns:p="http://schemas.openxmlformats.org/presentationml/2006/main" show="0">
   <p:cSld>
     <p:spTree>
       <p:nvGrpSpPr>
@@ -32060,7 +31959,7 @@
                 <a:ea typeface="Tahoma" panose="020B0604030504040204" pitchFamily="34" charset="0"/>
                 <a:cs typeface="Tahoma" panose="020B0604030504040204" pitchFamily="34" charset="0"/>
               </a:rPr>
-              <a:t>3.7</a:t>
+              <a:t>3.6</a:t>
             </a:r>
           </a:p>
         </p:txBody>
@@ -40865,7 +40764,9 @@
           <a:noFill/>
           <a:ln>
             <a:solidFill>
-              <a:srgbClr val="FFC000"/>
+              <a:schemeClr val="accent2">
+                <a:lumMod val="75000"/>
+              </a:schemeClr>
             </a:solidFill>
           </a:ln>
         </p:spPr>
@@ -40925,7 +40826,9 @@
             <a:r>
               <a:rPr lang="en-US">
                 <a:solidFill>
-                  <a:srgbClr val="FFC000"/>
+                  <a:schemeClr val="accent2">
+                    <a:lumMod val="75000"/>
+                  </a:schemeClr>
                 </a:solidFill>
               </a:rPr>
               <a:t>Self-training </a:t>
@@ -40935,7 +40838,9 @@
             <a:r>
               <a:rPr lang="en-US">
                 <a:solidFill>
-                  <a:srgbClr val="FFC000"/>
+                  <a:schemeClr val="accent2">
+                    <a:lumMod val="75000"/>
+                  </a:schemeClr>
                 </a:solidFill>
               </a:rPr>
               <a:t>Co-training </a:t>
@@ -40945,7 +40850,9 @@
             <a:r>
               <a:rPr lang="en-US">
                 <a:solidFill>
-                  <a:srgbClr val="FFC000"/>
+                  <a:schemeClr val="accent2">
+                    <a:lumMod val="75000"/>
+                  </a:schemeClr>
                 </a:solidFill>
               </a:rPr>
               <a:t>Graph-based methods</a:t>
@@ -42235,15 +42142,7 @@
           </a:bodyPr>
           <a:lstStyle/>
           <a:p>
-            <a:pPr marL="0" marR="0" lvl="0" indent="0" algn="ctr" rtl="0">
-              <a:spcBef>
-                <a:spcPts val="0"/>
-              </a:spcBef>
-              <a:spcAft>
-                <a:spcPts val="0"/>
-              </a:spcAft>
-              <a:buNone/>
-            </a:pPr>
+            <a:pPr algn="ctr"/>
             <a:r>
               <a:rPr lang="en-US" sz="4400" b="1">
                 <a:solidFill>
@@ -42264,9 +42163,9 @@
                 <a:latin typeface="Tahoma" panose="020B0604030504040204" pitchFamily="34" charset="0"/>
                 <a:ea typeface="Tahoma" panose="020B0604030504040204" pitchFamily="34" charset="0"/>
                 <a:cs typeface="Tahoma" panose="020B0604030504040204" pitchFamily="34" charset="0"/>
-                <a:sym typeface="Open Sans"/>
-              </a:rPr>
-              <a:t>QUY TRÌNH THỰC HIỆN</a:t>
+                <a:sym typeface="Arial"/>
+              </a:rPr>
+              <a:t>XÂY DỰNG MÔ HÌNH </a:t>
             </a:r>
             <a:endParaRPr lang="en-US" sz="4400" b="1">
               <a:solidFill>
